--- a/grid.pptx
+++ b/grid.pptx
@@ -104,17 +104,12 @@
       </a:defRPr>
     </a:lvl9pPr>
   </p:defaultTextStyle>
-  <p:extLst>
-    <p:ext uri="{EFAFB233-063F-42B5-8137-9DF3F51BA10A}">
-      <p15:sldGuideLst xmlns:p15="http://schemas.microsoft.com/office/powerpoint/2012/main"/>
-    </p:ext>
-  </p:extLst>
 </p:presentation>
 </file>
 
 <file path=ppt/slideLayouts/slideLayout1.xml><?xml version="1.0" encoding="utf-8"?>
 <p:sldLayout xmlns:a="http://schemas.openxmlformats.org/drawingml/2006/main" xmlns:r="http://schemas.openxmlformats.org/officeDocument/2006/relationships" xmlns:p="http://schemas.openxmlformats.org/presentationml/2006/main" type="title" preserve="1">
-  <p:cSld name="Title Slide">
+  <p:cSld name="标题幻灯片">
     <p:spTree>
       <p:nvGrpSpPr>
         <p:cNvPr id="1" name=""/>
@@ -131,7 +126,7 @@
       </p:grpSpPr>
       <p:sp>
         <p:nvSpPr>
-          <p:cNvPr id="2" name="Title 1"/>
+          <p:cNvPr id="2" name="标题 1"/>
           <p:cNvSpPr>
             <a:spLocks noGrp="1"/>
           </p:cNvSpPr>
@@ -154,15 +149,16 @@
           </a:lstStyle>
           <a:p>
             <a:r>
-              <a:rPr lang="en-US"/>
-              <a:t>Click to edit Master title style</a:t>
+              <a:rPr lang="zh-CN" altLang="en-US"/>
+              <a:t>单击此处编辑母版标题样式</a:t>
             </a:r>
+            <a:endParaRPr lang="en-US"/>
           </a:p>
         </p:txBody>
       </p:sp>
       <p:sp>
         <p:nvSpPr>
-          <p:cNvPr id="3" name="Subtitle 2"/>
+          <p:cNvPr id="3" name="副标题 2"/>
           <p:cNvSpPr>
             <a:spLocks noGrp="1"/>
           </p:cNvSpPr>
@@ -218,15 +214,16 @@
           </a:lstStyle>
           <a:p>
             <a:r>
-              <a:rPr lang="en-US"/>
-              <a:t>Click to edit Master subtitle style</a:t>
+              <a:rPr lang="zh-CN" altLang="en-US"/>
+              <a:t>单击以编辑母版副标题样式</a:t>
             </a:r>
+            <a:endParaRPr lang="en-US"/>
           </a:p>
         </p:txBody>
       </p:sp>
       <p:sp>
         <p:nvSpPr>
-          <p:cNvPr id="4" name="Date Placeholder 3"/>
+          <p:cNvPr id="4" name="日期占位符 3"/>
           <p:cNvSpPr>
             <a:spLocks noGrp="1"/>
           </p:cNvSpPr>
@@ -239,9 +236,9 @@
           <a:bodyPr/>
           <a:lstStyle/>
           <a:p>
-            <a:fld id="{FF81D936-E98F-4EF9-91D2-507238168EB3}" type="datetimeFigureOut">
+            <a:fld id="{A1F6C8EB-E8B5-457F-80FD-FC6EF6300726}" type="datetimeFigureOut">
               <a:rPr lang="en-US" smtClean="0"/>
-              <a:t>11/22/2016</a:t>
+              <a:t>11/27/2016</a:t>
             </a:fld>
             <a:endParaRPr lang="en-US"/>
           </a:p>
@@ -249,7 +246,7 @@
       </p:sp>
       <p:sp>
         <p:nvSpPr>
-          <p:cNvPr id="5" name="Footer Placeholder 4"/>
+          <p:cNvPr id="5" name="页脚占位符 4"/>
           <p:cNvSpPr>
             <a:spLocks noGrp="1"/>
           </p:cNvSpPr>
@@ -268,7 +265,7 @@
       </p:sp>
       <p:sp>
         <p:nvSpPr>
-          <p:cNvPr id="6" name="Slide Number Placeholder 5"/>
+          <p:cNvPr id="6" name="灯片编号占位符 5"/>
           <p:cNvSpPr>
             <a:spLocks noGrp="1"/>
           </p:cNvSpPr>
@@ -281,7 +278,7 @@
           <a:bodyPr/>
           <a:lstStyle/>
           <a:p>
-            <a:fld id="{1A8D7C98-2239-41F6-9150-A0C9988988D5}" type="slidenum">
+            <a:fld id="{089118DF-0C3D-4AC6-AFEA-063ED64B9DE7}" type="slidenum">
               <a:rPr lang="en-US" smtClean="0"/>
               <a:t>‹#›</a:t>
             </a:fld>
@@ -292,7 +289,7 @@
     </p:spTree>
     <p:extLst>
       <p:ext uri="{BB962C8B-B14F-4D97-AF65-F5344CB8AC3E}">
-        <p14:creationId xmlns:p14="http://schemas.microsoft.com/office/powerpoint/2010/main" val="3010352644"/>
+        <p14:creationId xmlns:p14="http://schemas.microsoft.com/office/powerpoint/2010/main" val="1401197436"/>
       </p:ext>
     </p:extLst>
   </p:cSld>
@@ -304,7 +301,7 @@
 
 <file path=ppt/slideLayouts/slideLayout10.xml><?xml version="1.0" encoding="utf-8"?>
 <p:sldLayout xmlns:a="http://schemas.openxmlformats.org/drawingml/2006/main" xmlns:r="http://schemas.openxmlformats.org/officeDocument/2006/relationships" xmlns:p="http://schemas.openxmlformats.org/presentationml/2006/main" type="vertTx" preserve="1">
-  <p:cSld name="Title and Vertical Text">
+  <p:cSld name="标题和竖排文字">
     <p:spTree>
       <p:nvGrpSpPr>
         <p:cNvPr id="1" name=""/>
@@ -321,7 +318,7 @@
       </p:grpSpPr>
       <p:sp>
         <p:nvSpPr>
-          <p:cNvPr id="2" name="Title 1"/>
+          <p:cNvPr id="2" name="标题 1"/>
           <p:cNvSpPr>
             <a:spLocks noGrp="1"/>
           </p:cNvSpPr>
@@ -335,15 +332,16 @@
           <a:lstStyle/>
           <a:p>
             <a:r>
-              <a:rPr lang="en-US"/>
-              <a:t>Click to edit Master title style</a:t>
+              <a:rPr lang="zh-CN" altLang="en-US"/>
+              <a:t>单击此处编辑母版标题样式</a:t>
             </a:r>
+            <a:endParaRPr lang="en-US"/>
           </a:p>
         </p:txBody>
       </p:sp>
       <p:sp>
         <p:nvSpPr>
-          <p:cNvPr id="3" name="Vertical Text Placeholder 2"/>
+          <p:cNvPr id="3" name="竖排文字占位符 2"/>
           <p:cNvSpPr>
             <a:spLocks noGrp="1"/>
           </p:cNvSpPr>
@@ -358,43 +356,44 @@
           <a:p>
             <a:pPr lvl="0"/>
             <a:r>
-              <a:rPr lang="en-US"/>
-              <a:t>Edit Master text styles</a:t>
+              <a:rPr lang="zh-CN" altLang="en-US"/>
+              <a:t>编辑母版文本样式</a:t>
             </a:r>
           </a:p>
           <a:p>
             <a:pPr lvl="1"/>
             <a:r>
-              <a:rPr lang="en-US"/>
-              <a:t>Second level</a:t>
+              <a:rPr lang="zh-CN" altLang="en-US"/>
+              <a:t>第二级</a:t>
             </a:r>
           </a:p>
           <a:p>
             <a:pPr lvl="2"/>
             <a:r>
-              <a:rPr lang="en-US"/>
-              <a:t>Third level</a:t>
+              <a:rPr lang="zh-CN" altLang="en-US"/>
+              <a:t>第三级</a:t>
             </a:r>
           </a:p>
           <a:p>
             <a:pPr lvl="3"/>
             <a:r>
-              <a:rPr lang="en-US"/>
-              <a:t>Fourth level</a:t>
+              <a:rPr lang="zh-CN" altLang="en-US"/>
+              <a:t>第四级</a:t>
             </a:r>
           </a:p>
           <a:p>
             <a:pPr lvl="4"/>
             <a:r>
-              <a:rPr lang="en-US"/>
-              <a:t>Fifth level</a:t>
+              <a:rPr lang="zh-CN" altLang="en-US"/>
+              <a:t>第五级</a:t>
             </a:r>
+            <a:endParaRPr lang="en-US"/>
           </a:p>
         </p:txBody>
       </p:sp>
       <p:sp>
         <p:nvSpPr>
-          <p:cNvPr id="4" name="Date Placeholder 3"/>
+          <p:cNvPr id="4" name="日期占位符 3"/>
           <p:cNvSpPr>
             <a:spLocks noGrp="1"/>
           </p:cNvSpPr>
@@ -407,9 +406,9 @@
           <a:bodyPr/>
           <a:lstStyle/>
           <a:p>
-            <a:fld id="{FF81D936-E98F-4EF9-91D2-507238168EB3}" type="datetimeFigureOut">
+            <a:fld id="{A1F6C8EB-E8B5-457F-80FD-FC6EF6300726}" type="datetimeFigureOut">
               <a:rPr lang="en-US" smtClean="0"/>
-              <a:t>11/22/2016</a:t>
+              <a:t>11/27/2016</a:t>
             </a:fld>
             <a:endParaRPr lang="en-US"/>
           </a:p>
@@ -417,7 +416,7 @@
       </p:sp>
       <p:sp>
         <p:nvSpPr>
-          <p:cNvPr id="5" name="Footer Placeholder 4"/>
+          <p:cNvPr id="5" name="页脚占位符 4"/>
           <p:cNvSpPr>
             <a:spLocks noGrp="1"/>
           </p:cNvSpPr>
@@ -436,7 +435,7 @@
       </p:sp>
       <p:sp>
         <p:nvSpPr>
-          <p:cNvPr id="6" name="Slide Number Placeholder 5"/>
+          <p:cNvPr id="6" name="灯片编号占位符 5"/>
           <p:cNvSpPr>
             <a:spLocks noGrp="1"/>
           </p:cNvSpPr>
@@ -449,7 +448,7 @@
           <a:bodyPr/>
           <a:lstStyle/>
           <a:p>
-            <a:fld id="{1A8D7C98-2239-41F6-9150-A0C9988988D5}" type="slidenum">
+            <a:fld id="{089118DF-0C3D-4AC6-AFEA-063ED64B9DE7}" type="slidenum">
               <a:rPr lang="en-US" smtClean="0"/>
               <a:t>‹#›</a:t>
             </a:fld>
@@ -460,7 +459,7 @@
     </p:spTree>
     <p:extLst>
       <p:ext uri="{BB962C8B-B14F-4D97-AF65-F5344CB8AC3E}">
-        <p14:creationId xmlns:p14="http://schemas.microsoft.com/office/powerpoint/2010/main" val="47949179"/>
+        <p14:creationId xmlns:p14="http://schemas.microsoft.com/office/powerpoint/2010/main" val="3882749079"/>
       </p:ext>
     </p:extLst>
   </p:cSld>
@@ -472,7 +471,7 @@
 
 <file path=ppt/slideLayouts/slideLayout11.xml><?xml version="1.0" encoding="utf-8"?>
 <p:sldLayout xmlns:a="http://schemas.openxmlformats.org/drawingml/2006/main" xmlns:r="http://schemas.openxmlformats.org/officeDocument/2006/relationships" xmlns:p="http://schemas.openxmlformats.org/presentationml/2006/main" type="vertTitleAndTx" preserve="1">
-  <p:cSld name="Vertical Title and Text">
+  <p:cSld name="竖排标题与文本">
     <p:spTree>
       <p:nvGrpSpPr>
         <p:cNvPr id="1" name=""/>
@@ -489,7 +488,7 @@
       </p:grpSpPr>
       <p:sp>
         <p:nvSpPr>
-          <p:cNvPr id="2" name="Vertical Title 1"/>
+          <p:cNvPr id="2" name="竖排标题 1"/>
           <p:cNvSpPr>
             <a:spLocks noGrp="1"/>
           </p:cNvSpPr>
@@ -508,15 +507,16 @@
           <a:lstStyle/>
           <a:p>
             <a:r>
-              <a:rPr lang="en-US"/>
-              <a:t>Click to edit Master title style</a:t>
+              <a:rPr lang="zh-CN" altLang="en-US"/>
+              <a:t>单击此处编辑母版标题样式</a:t>
             </a:r>
+            <a:endParaRPr lang="en-US"/>
           </a:p>
         </p:txBody>
       </p:sp>
       <p:sp>
         <p:nvSpPr>
-          <p:cNvPr id="3" name="Vertical Text Placeholder 2"/>
+          <p:cNvPr id="3" name="竖排文字占位符 2"/>
           <p:cNvSpPr>
             <a:spLocks noGrp="1"/>
           </p:cNvSpPr>
@@ -536,43 +536,44 @@
           <a:p>
             <a:pPr lvl="0"/>
             <a:r>
-              <a:rPr lang="en-US"/>
-              <a:t>Edit Master text styles</a:t>
+              <a:rPr lang="zh-CN" altLang="en-US"/>
+              <a:t>编辑母版文本样式</a:t>
             </a:r>
           </a:p>
           <a:p>
             <a:pPr lvl="1"/>
             <a:r>
-              <a:rPr lang="en-US"/>
-              <a:t>Second level</a:t>
+              <a:rPr lang="zh-CN" altLang="en-US"/>
+              <a:t>第二级</a:t>
             </a:r>
           </a:p>
           <a:p>
             <a:pPr lvl="2"/>
             <a:r>
-              <a:rPr lang="en-US"/>
-              <a:t>Third level</a:t>
+              <a:rPr lang="zh-CN" altLang="en-US"/>
+              <a:t>第三级</a:t>
             </a:r>
           </a:p>
           <a:p>
             <a:pPr lvl="3"/>
             <a:r>
-              <a:rPr lang="en-US"/>
-              <a:t>Fourth level</a:t>
+              <a:rPr lang="zh-CN" altLang="en-US"/>
+              <a:t>第四级</a:t>
             </a:r>
           </a:p>
           <a:p>
             <a:pPr lvl="4"/>
             <a:r>
-              <a:rPr lang="en-US"/>
-              <a:t>Fifth level</a:t>
+              <a:rPr lang="zh-CN" altLang="en-US"/>
+              <a:t>第五级</a:t>
             </a:r>
+            <a:endParaRPr lang="en-US"/>
           </a:p>
         </p:txBody>
       </p:sp>
       <p:sp>
         <p:nvSpPr>
-          <p:cNvPr id="4" name="Date Placeholder 3"/>
+          <p:cNvPr id="4" name="日期占位符 3"/>
           <p:cNvSpPr>
             <a:spLocks noGrp="1"/>
           </p:cNvSpPr>
@@ -585,9 +586,9 @@
           <a:bodyPr/>
           <a:lstStyle/>
           <a:p>
-            <a:fld id="{FF81D936-E98F-4EF9-91D2-507238168EB3}" type="datetimeFigureOut">
+            <a:fld id="{A1F6C8EB-E8B5-457F-80FD-FC6EF6300726}" type="datetimeFigureOut">
               <a:rPr lang="en-US" smtClean="0"/>
-              <a:t>11/22/2016</a:t>
+              <a:t>11/27/2016</a:t>
             </a:fld>
             <a:endParaRPr lang="en-US"/>
           </a:p>
@@ -595,7 +596,7 @@
       </p:sp>
       <p:sp>
         <p:nvSpPr>
-          <p:cNvPr id="5" name="Footer Placeholder 4"/>
+          <p:cNvPr id="5" name="页脚占位符 4"/>
           <p:cNvSpPr>
             <a:spLocks noGrp="1"/>
           </p:cNvSpPr>
@@ -614,7 +615,7 @@
       </p:sp>
       <p:sp>
         <p:nvSpPr>
-          <p:cNvPr id="6" name="Slide Number Placeholder 5"/>
+          <p:cNvPr id="6" name="灯片编号占位符 5"/>
           <p:cNvSpPr>
             <a:spLocks noGrp="1"/>
           </p:cNvSpPr>
@@ -627,7 +628,7 @@
           <a:bodyPr/>
           <a:lstStyle/>
           <a:p>
-            <a:fld id="{1A8D7C98-2239-41F6-9150-A0C9988988D5}" type="slidenum">
+            <a:fld id="{089118DF-0C3D-4AC6-AFEA-063ED64B9DE7}" type="slidenum">
               <a:rPr lang="en-US" smtClean="0"/>
               <a:t>‹#›</a:t>
             </a:fld>
@@ -638,7 +639,7 @@
     </p:spTree>
     <p:extLst>
       <p:ext uri="{BB962C8B-B14F-4D97-AF65-F5344CB8AC3E}">
-        <p14:creationId xmlns:p14="http://schemas.microsoft.com/office/powerpoint/2010/main" val="1241816377"/>
+        <p14:creationId xmlns:p14="http://schemas.microsoft.com/office/powerpoint/2010/main" val="3936827390"/>
       </p:ext>
     </p:extLst>
   </p:cSld>
@@ -650,7 +651,7 @@
 
 <file path=ppt/slideLayouts/slideLayout2.xml><?xml version="1.0" encoding="utf-8"?>
 <p:sldLayout xmlns:a="http://schemas.openxmlformats.org/drawingml/2006/main" xmlns:r="http://schemas.openxmlformats.org/officeDocument/2006/relationships" xmlns:p="http://schemas.openxmlformats.org/presentationml/2006/main" type="obj" preserve="1">
-  <p:cSld name="Title and Content">
+  <p:cSld name="标题和内容">
     <p:spTree>
       <p:nvGrpSpPr>
         <p:cNvPr id="1" name=""/>
@@ -667,7 +668,7 @@
       </p:grpSpPr>
       <p:sp>
         <p:nvSpPr>
-          <p:cNvPr id="2" name="Title 1"/>
+          <p:cNvPr id="2" name="标题 1"/>
           <p:cNvSpPr>
             <a:spLocks noGrp="1"/>
           </p:cNvSpPr>
@@ -681,15 +682,16 @@
           <a:lstStyle/>
           <a:p>
             <a:r>
-              <a:rPr lang="en-US"/>
-              <a:t>Click to edit Master title style</a:t>
+              <a:rPr lang="zh-CN" altLang="en-US"/>
+              <a:t>单击此处编辑母版标题样式</a:t>
             </a:r>
+            <a:endParaRPr lang="en-US"/>
           </a:p>
         </p:txBody>
       </p:sp>
       <p:sp>
         <p:nvSpPr>
-          <p:cNvPr id="3" name="Content Placeholder 2"/>
+          <p:cNvPr id="3" name="内容占位符 2"/>
           <p:cNvSpPr>
             <a:spLocks noGrp="1"/>
           </p:cNvSpPr>
@@ -704,43 +706,44 @@
           <a:p>
             <a:pPr lvl="0"/>
             <a:r>
-              <a:rPr lang="en-US"/>
-              <a:t>Edit Master text styles</a:t>
+              <a:rPr lang="zh-CN" altLang="en-US"/>
+              <a:t>编辑母版文本样式</a:t>
             </a:r>
           </a:p>
           <a:p>
             <a:pPr lvl="1"/>
             <a:r>
-              <a:rPr lang="en-US"/>
-              <a:t>Second level</a:t>
+              <a:rPr lang="zh-CN" altLang="en-US"/>
+              <a:t>第二级</a:t>
             </a:r>
           </a:p>
           <a:p>
             <a:pPr lvl="2"/>
             <a:r>
-              <a:rPr lang="en-US"/>
-              <a:t>Third level</a:t>
+              <a:rPr lang="zh-CN" altLang="en-US"/>
+              <a:t>第三级</a:t>
             </a:r>
           </a:p>
           <a:p>
             <a:pPr lvl="3"/>
             <a:r>
-              <a:rPr lang="en-US"/>
-              <a:t>Fourth level</a:t>
+              <a:rPr lang="zh-CN" altLang="en-US"/>
+              <a:t>第四级</a:t>
             </a:r>
           </a:p>
           <a:p>
             <a:pPr lvl="4"/>
             <a:r>
-              <a:rPr lang="en-US"/>
-              <a:t>Fifth level</a:t>
+              <a:rPr lang="zh-CN" altLang="en-US"/>
+              <a:t>第五级</a:t>
             </a:r>
+            <a:endParaRPr lang="en-US"/>
           </a:p>
         </p:txBody>
       </p:sp>
       <p:sp>
         <p:nvSpPr>
-          <p:cNvPr id="4" name="Date Placeholder 3"/>
+          <p:cNvPr id="4" name="日期占位符 3"/>
           <p:cNvSpPr>
             <a:spLocks noGrp="1"/>
           </p:cNvSpPr>
@@ -753,9 +756,9 @@
           <a:bodyPr/>
           <a:lstStyle/>
           <a:p>
-            <a:fld id="{FF81D936-E98F-4EF9-91D2-507238168EB3}" type="datetimeFigureOut">
+            <a:fld id="{A1F6C8EB-E8B5-457F-80FD-FC6EF6300726}" type="datetimeFigureOut">
               <a:rPr lang="en-US" smtClean="0"/>
-              <a:t>11/22/2016</a:t>
+              <a:t>11/27/2016</a:t>
             </a:fld>
             <a:endParaRPr lang="en-US"/>
           </a:p>
@@ -763,7 +766,7 @@
       </p:sp>
       <p:sp>
         <p:nvSpPr>
-          <p:cNvPr id="5" name="Footer Placeholder 4"/>
+          <p:cNvPr id="5" name="页脚占位符 4"/>
           <p:cNvSpPr>
             <a:spLocks noGrp="1"/>
           </p:cNvSpPr>
@@ -782,7 +785,7 @@
       </p:sp>
       <p:sp>
         <p:nvSpPr>
-          <p:cNvPr id="6" name="Slide Number Placeholder 5"/>
+          <p:cNvPr id="6" name="灯片编号占位符 5"/>
           <p:cNvSpPr>
             <a:spLocks noGrp="1"/>
           </p:cNvSpPr>
@@ -795,7 +798,7 @@
           <a:bodyPr/>
           <a:lstStyle/>
           <a:p>
-            <a:fld id="{1A8D7C98-2239-41F6-9150-A0C9988988D5}" type="slidenum">
+            <a:fld id="{089118DF-0C3D-4AC6-AFEA-063ED64B9DE7}" type="slidenum">
               <a:rPr lang="en-US" smtClean="0"/>
               <a:t>‹#›</a:t>
             </a:fld>
@@ -806,7 +809,7 @@
     </p:spTree>
     <p:extLst>
       <p:ext uri="{BB962C8B-B14F-4D97-AF65-F5344CB8AC3E}">
-        <p14:creationId xmlns:p14="http://schemas.microsoft.com/office/powerpoint/2010/main" val="1859734365"/>
+        <p14:creationId xmlns:p14="http://schemas.microsoft.com/office/powerpoint/2010/main" val="1695826527"/>
       </p:ext>
     </p:extLst>
   </p:cSld>
@@ -818,7 +821,7 @@
 
 <file path=ppt/slideLayouts/slideLayout3.xml><?xml version="1.0" encoding="utf-8"?>
 <p:sldLayout xmlns:a="http://schemas.openxmlformats.org/drawingml/2006/main" xmlns:r="http://schemas.openxmlformats.org/officeDocument/2006/relationships" xmlns:p="http://schemas.openxmlformats.org/presentationml/2006/main" type="secHead" preserve="1">
-  <p:cSld name="Section Header">
+  <p:cSld name="节标题">
     <p:spTree>
       <p:nvGrpSpPr>
         <p:cNvPr id="1" name=""/>
@@ -835,7 +838,7 @@
       </p:grpSpPr>
       <p:sp>
         <p:nvSpPr>
-          <p:cNvPr id="2" name="Title 1"/>
+          <p:cNvPr id="2" name="标题 1"/>
           <p:cNvSpPr>
             <a:spLocks noGrp="1"/>
           </p:cNvSpPr>
@@ -858,15 +861,16 @@
           </a:lstStyle>
           <a:p>
             <a:r>
-              <a:rPr lang="en-US"/>
-              <a:t>Click to edit Master title style</a:t>
+              <a:rPr lang="zh-CN" altLang="en-US"/>
+              <a:t>单击此处编辑母版标题样式</a:t>
             </a:r>
+            <a:endParaRPr lang="en-US"/>
           </a:p>
         </p:txBody>
       </p:sp>
       <p:sp>
         <p:nvSpPr>
-          <p:cNvPr id="3" name="Text Placeholder 2"/>
+          <p:cNvPr id="3" name="文本占位符 2"/>
           <p:cNvSpPr>
             <a:spLocks noGrp="1"/>
           </p:cNvSpPr>
@@ -977,15 +981,15 @@
           <a:p>
             <a:pPr lvl="0"/>
             <a:r>
-              <a:rPr lang="en-US"/>
-              <a:t>Edit Master text styles</a:t>
+              <a:rPr lang="zh-CN" altLang="en-US"/>
+              <a:t>编辑母版文本样式</a:t>
             </a:r>
           </a:p>
         </p:txBody>
       </p:sp>
       <p:sp>
         <p:nvSpPr>
-          <p:cNvPr id="4" name="Date Placeholder 3"/>
+          <p:cNvPr id="4" name="日期占位符 3"/>
           <p:cNvSpPr>
             <a:spLocks noGrp="1"/>
           </p:cNvSpPr>
@@ -998,9 +1002,9 @@
           <a:bodyPr/>
           <a:lstStyle/>
           <a:p>
-            <a:fld id="{FF81D936-E98F-4EF9-91D2-507238168EB3}" type="datetimeFigureOut">
+            <a:fld id="{A1F6C8EB-E8B5-457F-80FD-FC6EF6300726}" type="datetimeFigureOut">
               <a:rPr lang="en-US" smtClean="0"/>
-              <a:t>11/22/2016</a:t>
+              <a:t>11/27/2016</a:t>
             </a:fld>
             <a:endParaRPr lang="en-US"/>
           </a:p>
@@ -1008,7 +1012,7 @@
       </p:sp>
       <p:sp>
         <p:nvSpPr>
-          <p:cNvPr id="5" name="Footer Placeholder 4"/>
+          <p:cNvPr id="5" name="页脚占位符 4"/>
           <p:cNvSpPr>
             <a:spLocks noGrp="1"/>
           </p:cNvSpPr>
@@ -1027,7 +1031,7 @@
       </p:sp>
       <p:sp>
         <p:nvSpPr>
-          <p:cNvPr id="6" name="Slide Number Placeholder 5"/>
+          <p:cNvPr id="6" name="灯片编号占位符 5"/>
           <p:cNvSpPr>
             <a:spLocks noGrp="1"/>
           </p:cNvSpPr>
@@ -1040,7 +1044,7 @@
           <a:bodyPr/>
           <a:lstStyle/>
           <a:p>
-            <a:fld id="{1A8D7C98-2239-41F6-9150-A0C9988988D5}" type="slidenum">
+            <a:fld id="{089118DF-0C3D-4AC6-AFEA-063ED64B9DE7}" type="slidenum">
               <a:rPr lang="en-US" smtClean="0"/>
               <a:t>‹#›</a:t>
             </a:fld>
@@ -1051,7 +1055,7 @@
     </p:spTree>
     <p:extLst>
       <p:ext uri="{BB962C8B-B14F-4D97-AF65-F5344CB8AC3E}">
-        <p14:creationId xmlns:p14="http://schemas.microsoft.com/office/powerpoint/2010/main" val="1985912494"/>
+        <p14:creationId xmlns:p14="http://schemas.microsoft.com/office/powerpoint/2010/main" val="2339213798"/>
       </p:ext>
     </p:extLst>
   </p:cSld>
@@ -1063,7 +1067,7 @@
 
 <file path=ppt/slideLayouts/slideLayout4.xml><?xml version="1.0" encoding="utf-8"?>
 <p:sldLayout xmlns:a="http://schemas.openxmlformats.org/drawingml/2006/main" xmlns:r="http://schemas.openxmlformats.org/officeDocument/2006/relationships" xmlns:p="http://schemas.openxmlformats.org/presentationml/2006/main" type="twoObj" preserve="1">
-  <p:cSld name="Two Content">
+  <p:cSld name="两栏内容">
     <p:spTree>
       <p:nvGrpSpPr>
         <p:cNvPr id="1" name=""/>
@@ -1080,7 +1084,7 @@
       </p:grpSpPr>
       <p:sp>
         <p:nvSpPr>
-          <p:cNvPr id="2" name="Title 1"/>
+          <p:cNvPr id="2" name="标题 1"/>
           <p:cNvSpPr>
             <a:spLocks noGrp="1"/>
           </p:cNvSpPr>
@@ -1094,15 +1098,16 @@
           <a:lstStyle/>
           <a:p>
             <a:r>
-              <a:rPr lang="en-US"/>
-              <a:t>Click to edit Master title style</a:t>
+              <a:rPr lang="zh-CN" altLang="en-US"/>
+              <a:t>单击此处编辑母版标题样式</a:t>
             </a:r>
+            <a:endParaRPr lang="en-US"/>
           </a:p>
         </p:txBody>
       </p:sp>
       <p:sp>
         <p:nvSpPr>
-          <p:cNvPr id="3" name="Content Placeholder 2"/>
+          <p:cNvPr id="3" name="内容占位符 2"/>
           <p:cNvSpPr>
             <a:spLocks noGrp="1"/>
           </p:cNvSpPr>
@@ -1122,43 +1127,44 @@
           <a:p>
             <a:pPr lvl="0"/>
             <a:r>
-              <a:rPr lang="en-US"/>
-              <a:t>Edit Master text styles</a:t>
+              <a:rPr lang="zh-CN" altLang="en-US"/>
+              <a:t>编辑母版文本样式</a:t>
             </a:r>
           </a:p>
           <a:p>
             <a:pPr lvl="1"/>
             <a:r>
-              <a:rPr lang="en-US"/>
-              <a:t>Second level</a:t>
+              <a:rPr lang="zh-CN" altLang="en-US"/>
+              <a:t>第二级</a:t>
             </a:r>
           </a:p>
           <a:p>
             <a:pPr lvl="2"/>
             <a:r>
-              <a:rPr lang="en-US"/>
-              <a:t>Third level</a:t>
+              <a:rPr lang="zh-CN" altLang="en-US"/>
+              <a:t>第三级</a:t>
             </a:r>
           </a:p>
           <a:p>
             <a:pPr lvl="3"/>
             <a:r>
-              <a:rPr lang="en-US"/>
-              <a:t>Fourth level</a:t>
+              <a:rPr lang="zh-CN" altLang="en-US"/>
+              <a:t>第四级</a:t>
             </a:r>
           </a:p>
           <a:p>
             <a:pPr lvl="4"/>
             <a:r>
-              <a:rPr lang="en-US"/>
-              <a:t>Fifth level</a:t>
+              <a:rPr lang="zh-CN" altLang="en-US"/>
+              <a:t>第五级</a:t>
             </a:r>
+            <a:endParaRPr lang="en-US"/>
           </a:p>
         </p:txBody>
       </p:sp>
       <p:sp>
         <p:nvSpPr>
-          <p:cNvPr id="4" name="Content Placeholder 3"/>
+          <p:cNvPr id="4" name="内容占位符 3"/>
           <p:cNvSpPr>
             <a:spLocks noGrp="1"/>
           </p:cNvSpPr>
@@ -1178,43 +1184,44 @@
           <a:p>
             <a:pPr lvl="0"/>
             <a:r>
-              <a:rPr lang="en-US"/>
-              <a:t>Edit Master text styles</a:t>
+              <a:rPr lang="zh-CN" altLang="en-US"/>
+              <a:t>编辑母版文本样式</a:t>
             </a:r>
           </a:p>
           <a:p>
             <a:pPr lvl="1"/>
             <a:r>
-              <a:rPr lang="en-US"/>
-              <a:t>Second level</a:t>
+              <a:rPr lang="zh-CN" altLang="en-US"/>
+              <a:t>第二级</a:t>
             </a:r>
           </a:p>
           <a:p>
             <a:pPr lvl="2"/>
             <a:r>
-              <a:rPr lang="en-US"/>
-              <a:t>Third level</a:t>
+              <a:rPr lang="zh-CN" altLang="en-US"/>
+              <a:t>第三级</a:t>
             </a:r>
           </a:p>
           <a:p>
             <a:pPr lvl="3"/>
             <a:r>
-              <a:rPr lang="en-US"/>
-              <a:t>Fourth level</a:t>
+              <a:rPr lang="zh-CN" altLang="en-US"/>
+              <a:t>第四级</a:t>
             </a:r>
           </a:p>
           <a:p>
             <a:pPr lvl="4"/>
             <a:r>
-              <a:rPr lang="en-US"/>
-              <a:t>Fifth level</a:t>
+              <a:rPr lang="zh-CN" altLang="en-US"/>
+              <a:t>第五级</a:t>
             </a:r>
+            <a:endParaRPr lang="en-US"/>
           </a:p>
         </p:txBody>
       </p:sp>
       <p:sp>
         <p:nvSpPr>
-          <p:cNvPr id="5" name="Date Placeholder 4"/>
+          <p:cNvPr id="5" name="日期占位符 4"/>
           <p:cNvSpPr>
             <a:spLocks noGrp="1"/>
           </p:cNvSpPr>
@@ -1227,9 +1234,9 @@
           <a:bodyPr/>
           <a:lstStyle/>
           <a:p>
-            <a:fld id="{FF81D936-E98F-4EF9-91D2-507238168EB3}" type="datetimeFigureOut">
+            <a:fld id="{A1F6C8EB-E8B5-457F-80FD-FC6EF6300726}" type="datetimeFigureOut">
               <a:rPr lang="en-US" smtClean="0"/>
-              <a:t>11/22/2016</a:t>
+              <a:t>11/27/2016</a:t>
             </a:fld>
             <a:endParaRPr lang="en-US"/>
           </a:p>
@@ -1237,7 +1244,7 @@
       </p:sp>
       <p:sp>
         <p:nvSpPr>
-          <p:cNvPr id="6" name="Footer Placeholder 5"/>
+          <p:cNvPr id="6" name="页脚占位符 5"/>
           <p:cNvSpPr>
             <a:spLocks noGrp="1"/>
           </p:cNvSpPr>
@@ -1256,7 +1263,7 @@
       </p:sp>
       <p:sp>
         <p:nvSpPr>
-          <p:cNvPr id="7" name="Slide Number Placeholder 6"/>
+          <p:cNvPr id="7" name="灯片编号占位符 6"/>
           <p:cNvSpPr>
             <a:spLocks noGrp="1"/>
           </p:cNvSpPr>
@@ -1269,7 +1276,7 @@
           <a:bodyPr/>
           <a:lstStyle/>
           <a:p>
-            <a:fld id="{1A8D7C98-2239-41F6-9150-A0C9988988D5}" type="slidenum">
+            <a:fld id="{089118DF-0C3D-4AC6-AFEA-063ED64B9DE7}" type="slidenum">
               <a:rPr lang="en-US" smtClean="0"/>
               <a:t>‹#›</a:t>
             </a:fld>
@@ -1280,7 +1287,7 @@
     </p:spTree>
     <p:extLst>
       <p:ext uri="{BB962C8B-B14F-4D97-AF65-F5344CB8AC3E}">
-        <p14:creationId xmlns:p14="http://schemas.microsoft.com/office/powerpoint/2010/main" val="958583994"/>
+        <p14:creationId xmlns:p14="http://schemas.microsoft.com/office/powerpoint/2010/main" val="2865464057"/>
       </p:ext>
     </p:extLst>
   </p:cSld>
@@ -1292,7 +1299,7 @@
 
 <file path=ppt/slideLayouts/slideLayout5.xml><?xml version="1.0" encoding="utf-8"?>
 <p:sldLayout xmlns:a="http://schemas.openxmlformats.org/drawingml/2006/main" xmlns:r="http://schemas.openxmlformats.org/officeDocument/2006/relationships" xmlns:p="http://schemas.openxmlformats.org/presentationml/2006/main" type="twoTxTwoObj" preserve="1">
-  <p:cSld name="Comparison">
+  <p:cSld name="比较">
     <p:spTree>
       <p:nvGrpSpPr>
         <p:cNvPr id="1" name=""/>
@@ -1309,7 +1316,7 @@
       </p:grpSpPr>
       <p:sp>
         <p:nvSpPr>
-          <p:cNvPr id="2" name="Title 1"/>
+          <p:cNvPr id="2" name="标题 1"/>
           <p:cNvSpPr>
             <a:spLocks noGrp="1"/>
           </p:cNvSpPr>
@@ -1328,15 +1335,16 @@
           <a:lstStyle/>
           <a:p>
             <a:r>
-              <a:rPr lang="en-US"/>
-              <a:t>Click to edit Master title style</a:t>
+              <a:rPr lang="zh-CN" altLang="en-US"/>
+              <a:t>单击此处编辑母版标题样式</a:t>
             </a:r>
+            <a:endParaRPr lang="en-US"/>
           </a:p>
         </p:txBody>
       </p:sp>
       <p:sp>
         <p:nvSpPr>
-          <p:cNvPr id="3" name="Text Placeholder 2"/>
+          <p:cNvPr id="3" name="文本占位符 2"/>
           <p:cNvSpPr>
             <a:spLocks noGrp="1"/>
           </p:cNvSpPr>
@@ -1393,15 +1401,15 @@
           <a:p>
             <a:pPr lvl="0"/>
             <a:r>
-              <a:rPr lang="en-US"/>
-              <a:t>Edit Master text styles</a:t>
+              <a:rPr lang="zh-CN" altLang="en-US"/>
+              <a:t>编辑母版文本样式</a:t>
             </a:r>
           </a:p>
         </p:txBody>
       </p:sp>
       <p:sp>
         <p:nvSpPr>
-          <p:cNvPr id="4" name="Content Placeholder 3"/>
+          <p:cNvPr id="4" name="内容占位符 3"/>
           <p:cNvSpPr>
             <a:spLocks noGrp="1"/>
           </p:cNvSpPr>
@@ -1421,43 +1429,44 @@
           <a:p>
             <a:pPr lvl="0"/>
             <a:r>
-              <a:rPr lang="en-US"/>
-              <a:t>Edit Master text styles</a:t>
+              <a:rPr lang="zh-CN" altLang="en-US"/>
+              <a:t>编辑母版文本样式</a:t>
             </a:r>
           </a:p>
           <a:p>
             <a:pPr lvl="1"/>
             <a:r>
-              <a:rPr lang="en-US"/>
-              <a:t>Second level</a:t>
+              <a:rPr lang="zh-CN" altLang="en-US"/>
+              <a:t>第二级</a:t>
             </a:r>
           </a:p>
           <a:p>
             <a:pPr lvl="2"/>
             <a:r>
-              <a:rPr lang="en-US"/>
-              <a:t>Third level</a:t>
+              <a:rPr lang="zh-CN" altLang="en-US"/>
+              <a:t>第三级</a:t>
             </a:r>
           </a:p>
           <a:p>
             <a:pPr lvl="3"/>
             <a:r>
-              <a:rPr lang="en-US"/>
-              <a:t>Fourth level</a:t>
+              <a:rPr lang="zh-CN" altLang="en-US"/>
+              <a:t>第四级</a:t>
             </a:r>
           </a:p>
           <a:p>
             <a:pPr lvl="4"/>
             <a:r>
-              <a:rPr lang="en-US"/>
-              <a:t>Fifth level</a:t>
+              <a:rPr lang="zh-CN" altLang="en-US"/>
+              <a:t>第五级</a:t>
             </a:r>
+            <a:endParaRPr lang="en-US"/>
           </a:p>
         </p:txBody>
       </p:sp>
       <p:sp>
         <p:nvSpPr>
-          <p:cNvPr id="5" name="Text Placeholder 4"/>
+          <p:cNvPr id="5" name="文本占位符 4"/>
           <p:cNvSpPr>
             <a:spLocks noGrp="1"/>
           </p:cNvSpPr>
@@ -1514,15 +1523,15 @@
           <a:p>
             <a:pPr lvl="0"/>
             <a:r>
-              <a:rPr lang="en-US"/>
-              <a:t>Edit Master text styles</a:t>
+              <a:rPr lang="zh-CN" altLang="en-US"/>
+              <a:t>编辑母版文本样式</a:t>
             </a:r>
           </a:p>
         </p:txBody>
       </p:sp>
       <p:sp>
         <p:nvSpPr>
-          <p:cNvPr id="6" name="Content Placeholder 5"/>
+          <p:cNvPr id="6" name="内容占位符 5"/>
           <p:cNvSpPr>
             <a:spLocks noGrp="1"/>
           </p:cNvSpPr>
@@ -1542,43 +1551,44 @@
           <a:p>
             <a:pPr lvl="0"/>
             <a:r>
-              <a:rPr lang="en-US"/>
-              <a:t>Edit Master text styles</a:t>
+              <a:rPr lang="zh-CN" altLang="en-US"/>
+              <a:t>编辑母版文本样式</a:t>
             </a:r>
           </a:p>
           <a:p>
             <a:pPr lvl="1"/>
             <a:r>
-              <a:rPr lang="en-US"/>
-              <a:t>Second level</a:t>
+              <a:rPr lang="zh-CN" altLang="en-US"/>
+              <a:t>第二级</a:t>
             </a:r>
           </a:p>
           <a:p>
             <a:pPr lvl="2"/>
             <a:r>
-              <a:rPr lang="en-US"/>
-              <a:t>Third level</a:t>
+              <a:rPr lang="zh-CN" altLang="en-US"/>
+              <a:t>第三级</a:t>
             </a:r>
           </a:p>
           <a:p>
             <a:pPr lvl="3"/>
             <a:r>
-              <a:rPr lang="en-US"/>
-              <a:t>Fourth level</a:t>
+              <a:rPr lang="zh-CN" altLang="en-US"/>
+              <a:t>第四级</a:t>
             </a:r>
           </a:p>
           <a:p>
             <a:pPr lvl="4"/>
             <a:r>
-              <a:rPr lang="en-US"/>
-              <a:t>Fifth level</a:t>
+              <a:rPr lang="zh-CN" altLang="en-US"/>
+              <a:t>第五级</a:t>
             </a:r>
+            <a:endParaRPr lang="en-US"/>
           </a:p>
         </p:txBody>
       </p:sp>
       <p:sp>
         <p:nvSpPr>
-          <p:cNvPr id="7" name="Date Placeholder 6"/>
+          <p:cNvPr id="7" name="日期占位符 6"/>
           <p:cNvSpPr>
             <a:spLocks noGrp="1"/>
           </p:cNvSpPr>
@@ -1591,9 +1601,9 @@
           <a:bodyPr/>
           <a:lstStyle/>
           <a:p>
-            <a:fld id="{FF81D936-E98F-4EF9-91D2-507238168EB3}" type="datetimeFigureOut">
+            <a:fld id="{A1F6C8EB-E8B5-457F-80FD-FC6EF6300726}" type="datetimeFigureOut">
               <a:rPr lang="en-US" smtClean="0"/>
-              <a:t>11/22/2016</a:t>
+              <a:t>11/27/2016</a:t>
             </a:fld>
             <a:endParaRPr lang="en-US"/>
           </a:p>
@@ -1601,7 +1611,7 @@
       </p:sp>
       <p:sp>
         <p:nvSpPr>
-          <p:cNvPr id="8" name="Footer Placeholder 7"/>
+          <p:cNvPr id="8" name="页脚占位符 7"/>
           <p:cNvSpPr>
             <a:spLocks noGrp="1"/>
           </p:cNvSpPr>
@@ -1620,7 +1630,7 @@
       </p:sp>
       <p:sp>
         <p:nvSpPr>
-          <p:cNvPr id="9" name="Slide Number Placeholder 8"/>
+          <p:cNvPr id="9" name="灯片编号占位符 8"/>
           <p:cNvSpPr>
             <a:spLocks noGrp="1"/>
           </p:cNvSpPr>
@@ -1633,7 +1643,7 @@
           <a:bodyPr/>
           <a:lstStyle/>
           <a:p>
-            <a:fld id="{1A8D7C98-2239-41F6-9150-A0C9988988D5}" type="slidenum">
+            <a:fld id="{089118DF-0C3D-4AC6-AFEA-063ED64B9DE7}" type="slidenum">
               <a:rPr lang="en-US" smtClean="0"/>
               <a:t>‹#›</a:t>
             </a:fld>
@@ -1644,7 +1654,7 @@
     </p:spTree>
     <p:extLst>
       <p:ext uri="{BB962C8B-B14F-4D97-AF65-F5344CB8AC3E}">
-        <p14:creationId xmlns:p14="http://schemas.microsoft.com/office/powerpoint/2010/main" val="123100650"/>
+        <p14:creationId xmlns:p14="http://schemas.microsoft.com/office/powerpoint/2010/main" val="4269447752"/>
       </p:ext>
     </p:extLst>
   </p:cSld>
@@ -1656,7 +1666,7 @@
 
 <file path=ppt/slideLayouts/slideLayout6.xml><?xml version="1.0" encoding="utf-8"?>
 <p:sldLayout xmlns:a="http://schemas.openxmlformats.org/drawingml/2006/main" xmlns:r="http://schemas.openxmlformats.org/officeDocument/2006/relationships" xmlns:p="http://schemas.openxmlformats.org/presentationml/2006/main" type="titleOnly" preserve="1">
-  <p:cSld name="Title Only">
+  <p:cSld name="仅标题">
     <p:spTree>
       <p:nvGrpSpPr>
         <p:cNvPr id="1" name=""/>
@@ -1673,7 +1683,7 @@
       </p:grpSpPr>
       <p:sp>
         <p:nvSpPr>
-          <p:cNvPr id="2" name="Title 1"/>
+          <p:cNvPr id="2" name="标题 1"/>
           <p:cNvSpPr>
             <a:spLocks noGrp="1"/>
           </p:cNvSpPr>
@@ -1687,15 +1697,16 @@
           <a:lstStyle/>
           <a:p>
             <a:r>
-              <a:rPr lang="en-US"/>
-              <a:t>Click to edit Master title style</a:t>
+              <a:rPr lang="zh-CN" altLang="en-US"/>
+              <a:t>单击此处编辑母版标题样式</a:t>
             </a:r>
+            <a:endParaRPr lang="en-US"/>
           </a:p>
         </p:txBody>
       </p:sp>
       <p:sp>
         <p:nvSpPr>
-          <p:cNvPr id="3" name="Date Placeholder 2"/>
+          <p:cNvPr id="3" name="日期占位符 2"/>
           <p:cNvSpPr>
             <a:spLocks noGrp="1"/>
           </p:cNvSpPr>
@@ -1708,9 +1719,9 @@
           <a:bodyPr/>
           <a:lstStyle/>
           <a:p>
-            <a:fld id="{FF81D936-E98F-4EF9-91D2-507238168EB3}" type="datetimeFigureOut">
+            <a:fld id="{A1F6C8EB-E8B5-457F-80FD-FC6EF6300726}" type="datetimeFigureOut">
               <a:rPr lang="en-US" smtClean="0"/>
-              <a:t>11/22/2016</a:t>
+              <a:t>11/27/2016</a:t>
             </a:fld>
             <a:endParaRPr lang="en-US"/>
           </a:p>
@@ -1718,7 +1729,7 @@
       </p:sp>
       <p:sp>
         <p:nvSpPr>
-          <p:cNvPr id="4" name="Footer Placeholder 3"/>
+          <p:cNvPr id="4" name="页脚占位符 3"/>
           <p:cNvSpPr>
             <a:spLocks noGrp="1"/>
           </p:cNvSpPr>
@@ -1737,7 +1748,7 @@
       </p:sp>
       <p:sp>
         <p:nvSpPr>
-          <p:cNvPr id="5" name="Slide Number Placeholder 4"/>
+          <p:cNvPr id="5" name="灯片编号占位符 4"/>
           <p:cNvSpPr>
             <a:spLocks noGrp="1"/>
           </p:cNvSpPr>
@@ -1750,7 +1761,7 @@
           <a:bodyPr/>
           <a:lstStyle/>
           <a:p>
-            <a:fld id="{1A8D7C98-2239-41F6-9150-A0C9988988D5}" type="slidenum">
+            <a:fld id="{089118DF-0C3D-4AC6-AFEA-063ED64B9DE7}" type="slidenum">
               <a:rPr lang="en-US" smtClean="0"/>
               <a:t>‹#›</a:t>
             </a:fld>
@@ -1761,7 +1772,7 @@
     </p:spTree>
     <p:extLst>
       <p:ext uri="{BB962C8B-B14F-4D97-AF65-F5344CB8AC3E}">
-        <p14:creationId xmlns:p14="http://schemas.microsoft.com/office/powerpoint/2010/main" val="2946475690"/>
+        <p14:creationId xmlns:p14="http://schemas.microsoft.com/office/powerpoint/2010/main" val="1944290215"/>
       </p:ext>
     </p:extLst>
   </p:cSld>
@@ -1773,7 +1784,7 @@
 
 <file path=ppt/slideLayouts/slideLayout7.xml><?xml version="1.0" encoding="utf-8"?>
 <p:sldLayout xmlns:a="http://schemas.openxmlformats.org/drawingml/2006/main" xmlns:r="http://schemas.openxmlformats.org/officeDocument/2006/relationships" xmlns:p="http://schemas.openxmlformats.org/presentationml/2006/main" type="blank" preserve="1">
-  <p:cSld name="Blank">
+  <p:cSld name="空白">
     <p:spTree>
       <p:nvGrpSpPr>
         <p:cNvPr id="1" name=""/>
@@ -1790,7 +1801,7 @@
       </p:grpSpPr>
       <p:sp>
         <p:nvSpPr>
-          <p:cNvPr id="2" name="Date Placeholder 1"/>
+          <p:cNvPr id="2" name="日期占位符 1"/>
           <p:cNvSpPr>
             <a:spLocks noGrp="1"/>
           </p:cNvSpPr>
@@ -1803,9 +1814,9 @@
           <a:bodyPr/>
           <a:lstStyle/>
           <a:p>
-            <a:fld id="{FF81D936-E98F-4EF9-91D2-507238168EB3}" type="datetimeFigureOut">
+            <a:fld id="{A1F6C8EB-E8B5-457F-80FD-FC6EF6300726}" type="datetimeFigureOut">
               <a:rPr lang="en-US" smtClean="0"/>
-              <a:t>11/22/2016</a:t>
+              <a:t>11/27/2016</a:t>
             </a:fld>
             <a:endParaRPr lang="en-US"/>
           </a:p>
@@ -1813,7 +1824,7 @@
       </p:sp>
       <p:sp>
         <p:nvSpPr>
-          <p:cNvPr id="3" name="Footer Placeholder 2"/>
+          <p:cNvPr id="3" name="页脚占位符 2"/>
           <p:cNvSpPr>
             <a:spLocks noGrp="1"/>
           </p:cNvSpPr>
@@ -1832,7 +1843,7 @@
       </p:sp>
       <p:sp>
         <p:nvSpPr>
-          <p:cNvPr id="4" name="Slide Number Placeholder 3"/>
+          <p:cNvPr id="4" name="灯片编号占位符 3"/>
           <p:cNvSpPr>
             <a:spLocks noGrp="1"/>
           </p:cNvSpPr>
@@ -1845,7 +1856,7 @@
           <a:bodyPr/>
           <a:lstStyle/>
           <a:p>
-            <a:fld id="{1A8D7C98-2239-41F6-9150-A0C9988988D5}" type="slidenum">
+            <a:fld id="{089118DF-0C3D-4AC6-AFEA-063ED64B9DE7}" type="slidenum">
               <a:rPr lang="en-US" smtClean="0"/>
               <a:t>‹#›</a:t>
             </a:fld>
@@ -1856,7 +1867,7 @@
     </p:spTree>
     <p:extLst>
       <p:ext uri="{BB962C8B-B14F-4D97-AF65-F5344CB8AC3E}">
-        <p14:creationId xmlns:p14="http://schemas.microsoft.com/office/powerpoint/2010/main" val="2218080860"/>
+        <p14:creationId xmlns:p14="http://schemas.microsoft.com/office/powerpoint/2010/main" val="3166303524"/>
       </p:ext>
     </p:extLst>
   </p:cSld>
@@ -1868,7 +1879,7 @@
 
 <file path=ppt/slideLayouts/slideLayout8.xml><?xml version="1.0" encoding="utf-8"?>
 <p:sldLayout xmlns:a="http://schemas.openxmlformats.org/drawingml/2006/main" xmlns:r="http://schemas.openxmlformats.org/officeDocument/2006/relationships" xmlns:p="http://schemas.openxmlformats.org/presentationml/2006/main" type="objTx" preserve="1">
-  <p:cSld name="Content with Caption">
+  <p:cSld name="内容与标题">
     <p:spTree>
       <p:nvGrpSpPr>
         <p:cNvPr id="1" name=""/>
@@ -1885,7 +1896,7 @@
       </p:grpSpPr>
       <p:sp>
         <p:nvSpPr>
-          <p:cNvPr id="2" name="Title 1"/>
+          <p:cNvPr id="2" name="标题 1"/>
           <p:cNvSpPr>
             <a:spLocks noGrp="1"/>
           </p:cNvSpPr>
@@ -1908,15 +1919,16 @@
           </a:lstStyle>
           <a:p>
             <a:r>
-              <a:rPr lang="en-US"/>
-              <a:t>Click to edit Master title style</a:t>
+              <a:rPr lang="zh-CN" altLang="en-US"/>
+              <a:t>单击此处编辑母版标题样式</a:t>
             </a:r>
+            <a:endParaRPr lang="en-US"/>
           </a:p>
         </p:txBody>
       </p:sp>
       <p:sp>
         <p:nvSpPr>
-          <p:cNvPr id="3" name="Content Placeholder 2"/>
+          <p:cNvPr id="3" name="内容占位符 2"/>
           <p:cNvSpPr>
             <a:spLocks noGrp="1"/>
           </p:cNvSpPr>
@@ -1964,43 +1976,44 @@
           <a:p>
             <a:pPr lvl="0"/>
             <a:r>
-              <a:rPr lang="en-US"/>
-              <a:t>Edit Master text styles</a:t>
+              <a:rPr lang="zh-CN" altLang="en-US"/>
+              <a:t>编辑母版文本样式</a:t>
             </a:r>
           </a:p>
           <a:p>
             <a:pPr lvl="1"/>
             <a:r>
-              <a:rPr lang="en-US"/>
-              <a:t>Second level</a:t>
+              <a:rPr lang="zh-CN" altLang="en-US"/>
+              <a:t>第二级</a:t>
             </a:r>
           </a:p>
           <a:p>
             <a:pPr lvl="2"/>
             <a:r>
-              <a:rPr lang="en-US"/>
-              <a:t>Third level</a:t>
+              <a:rPr lang="zh-CN" altLang="en-US"/>
+              <a:t>第三级</a:t>
             </a:r>
           </a:p>
           <a:p>
             <a:pPr lvl="3"/>
             <a:r>
-              <a:rPr lang="en-US"/>
-              <a:t>Fourth level</a:t>
+              <a:rPr lang="zh-CN" altLang="en-US"/>
+              <a:t>第四级</a:t>
             </a:r>
           </a:p>
           <a:p>
             <a:pPr lvl="4"/>
             <a:r>
-              <a:rPr lang="en-US"/>
-              <a:t>Fifth level</a:t>
+              <a:rPr lang="zh-CN" altLang="en-US"/>
+              <a:t>第五级</a:t>
             </a:r>
+            <a:endParaRPr lang="en-US"/>
           </a:p>
         </p:txBody>
       </p:sp>
       <p:sp>
         <p:nvSpPr>
-          <p:cNvPr id="4" name="Text Placeholder 3"/>
+          <p:cNvPr id="4" name="文本占位符 3"/>
           <p:cNvSpPr>
             <a:spLocks noGrp="1"/>
           </p:cNvSpPr>
@@ -2057,15 +2070,15 @@
           <a:p>
             <a:pPr lvl="0"/>
             <a:r>
-              <a:rPr lang="en-US"/>
-              <a:t>Edit Master text styles</a:t>
+              <a:rPr lang="zh-CN" altLang="en-US"/>
+              <a:t>编辑母版文本样式</a:t>
             </a:r>
           </a:p>
         </p:txBody>
       </p:sp>
       <p:sp>
         <p:nvSpPr>
-          <p:cNvPr id="5" name="Date Placeholder 4"/>
+          <p:cNvPr id="5" name="日期占位符 4"/>
           <p:cNvSpPr>
             <a:spLocks noGrp="1"/>
           </p:cNvSpPr>
@@ -2078,9 +2091,9 @@
           <a:bodyPr/>
           <a:lstStyle/>
           <a:p>
-            <a:fld id="{FF81D936-E98F-4EF9-91D2-507238168EB3}" type="datetimeFigureOut">
+            <a:fld id="{A1F6C8EB-E8B5-457F-80FD-FC6EF6300726}" type="datetimeFigureOut">
               <a:rPr lang="en-US" smtClean="0"/>
-              <a:t>11/22/2016</a:t>
+              <a:t>11/27/2016</a:t>
             </a:fld>
             <a:endParaRPr lang="en-US"/>
           </a:p>
@@ -2088,7 +2101,7 @@
       </p:sp>
       <p:sp>
         <p:nvSpPr>
-          <p:cNvPr id="6" name="Footer Placeholder 5"/>
+          <p:cNvPr id="6" name="页脚占位符 5"/>
           <p:cNvSpPr>
             <a:spLocks noGrp="1"/>
           </p:cNvSpPr>
@@ -2107,7 +2120,7 @@
       </p:sp>
       <p:sp>
         <p:nvSpPr>
-          <p:cNvPr id="7" name="Slide Number Placeholder 6"/>
+          <p:cNvPr id="7" name="灯片编号占位符 6"/>
           <p:cNvSpPr>
             <a:spLocks noGrp="1"/>
           </p:cNvSpPr>
@@ -2120,7 +2133,7 @@
           <a:bodyPr/>
           <a:lstStyle/>
           <a:p>
-            <a:fld id="{1A8D7C98-2239-41F6-9150-A0C9988988D5}" type="slidenum">
+            <a:fld id="{089118DF-0C3D-4AC6-AFEA-063ED64B9DE7}" type="slidenum">
               <a:rPr lang="en-US" smtClean="0"/>
               <a:t>‹#›</a:t>
             </a:fld>
@@ -2131,7 +2144,7 @@
     </p:spTree>
     <p:extLst>
       <p:ext uri="{BB962C8B-B14F-4D97-AF65-F5344CB8AC3E}">
-        <p14:creationId xmlns:p14="http://schemas.microsoft.com/office/powerpoint/2010/main" val="1300072296"/>
+        <p14:creationId xmlns:p14="http://schemas.microsoft.com/office/powerpoint/2010/main" val="29509087"/>
       </p:ext>
     </p:extLst>
   </p:cSld>
@@ -2143,7 +2156,7 @@
 
 <file path=ppt/slideLayouts/slideLayout9.xml><?xml version="1.0" encoding="utf-8"?>
 <p:sldLayout xmlns:a="http://schemas.openxmlformats.org/drawingml/2006/main" xmlns:r="http://schemas.openxmlformats.org/officeDocument/2006/relationships" xmlns:p="http://schemas.openxmlformats.org/presentationml/2006/main" type="picTx" preserve="1">
-  <p:cSld name="Picture with Caption">
+  <p:cSld name="图片与标题">
     <p:spTree>
       <p:nvGrpSpPr>
         <p:cNvPr id="1" name=""/>
@@ -2160,7 +2173,7 @@
       </p:grpSpPr>
       <p:sp>
         <p:nvSpPr>
-          <p:cNvPr id="2" name="Title 1"/>
+          <p:cNvPr id="2" name="标题 1"/>
           <p:cNvSpPr>
             <a:spLocks noGrp="1"/>
           </p:cNvSpPr>
@@ -2183,15 +2196,16 @@
           </a:lstStyle>
           <a:p>
             <a:r>
-              <a:rPr lang="en-US"/>
-              <a:t>Click to edit Master title style</a:t>
+              <a:rPr lang="zh-CN" altLang="en-US"/>
+              <a:t>单击此处编辑母版标题样式</a:t>
             </a:r>
+            <a:endParaRPr lang="en-US"/>
           </a:p>
         </p:txBody>
       </p:sp>
       <p:sp>
         <p:nvSpPr>
-          <p:cNvPr id="3" name="Picture Placeholder 2"/>
+          <p:cNvPr id="3" name="图片占位符 2"/>
           <p:cNvSpPr>
             <a:spLocks noGrp="1"/>
           </p:cNvSpPr>
@@ -2252,7 +2266,7 @@
       </p:sp>
       <p:sp>
         <p:nvSpPr>
-          <p:cNvPr id="4" name="Text Placeholder 3"/>
+          <p:cNvPr id="4" name="文本占位符 3"/>
           <p:cNvSpPr>
             <a:spLocks noGrp="1"/>
           </p:cNvSpPr>
@@ -2309,15 +2323,15 @@
           <a:p>
             <a:pPr lvl="0"/>
             <a:r>
-              <a:rPr lang="en-US"/>
-              <a:t>Edit Master text styles</a:t>
+              <a:rPr lang="zh-CN" altLang="en-US"/>
+              <a:t>编辑母版文本样式</a:t>
             </a:r>
           </a:p>
         </p:txBody>
       </p:sp>
       <p:sp>
         <p:nvSpPr>
-          <p:cNvPr id="5" name="Date Placeholder 4"/>
+          <p:cNvPr id="5" name="日期占位符 4"/>
           <p:cNvSpPr>
             <a:spLocks noGrp="1"/>
           </p:cNvSpPr>
@@ -2330,9 +2344,9 @@
           <a:bodyPr/>
           <a:lstStyle/>
           <a:p>
-            <a:fld id="{FF81D936-E98F-4EF9-91D2-507238168EB3}" type="datetimeFigureOut">
+            <a:fld id="{A1F6C8EB-E8B5-457F-80FD-FC6EF6300726}" type="datetimeFigureOut">
               <a:rPr lang="en-US" smtClean="0"/>
-              <a:t>11/22/2016</a:t>
+              <a:t>11/27/2016</a:t>
             </a:fld>
             <a:endParaRPr lang="en-US"/>
           </a:p>
@@ -2340,7 +2354,7 @@
       </p:sp>
       <p:sp>
         <p:nvSpPr>
-          <p:cNvPr id="6" name="Footer Placeholder 5"/>
+          <p:cNvPr id="6" name="页脚占位符 5"/>
           <p:cNvSpPr>
             <a:spLocks noGrp="1"/>
           </p:cNvSpPr>
@@ -2359,7 +2373,7 @@
       </p:sp>
       <p:sp>
         <p:nvSpPr>
-          <p:cNvPr id="7" name="Slide Number Placeholder 6"/>
+          <p:cNvPr id="7" name="灯片编号占位符 6"/>
           <p:cNvSpPr>
             <a:spLocks noGrp="1"/>
           </p:cNvSpPr>
@@ -2372,7 +2386,7 @@
           <a:bodyPr/>
           <a:lstStyle/>
           <a:p>
-            <a:fld id="{1A8D7C98-2239-41F6-9150-A0C9988988D5}" type="slidenum">
+            <a:fld id="{089118DF-0C3D-4AC6-AFEA-063ED64B9DE7}" type="slidenum">
               <a:rPr lang="en-US" smtClean="0"/>
               <a:t>‹#›</a:t>
             </a:fld>
@@ -2383,7 +2397,7 @@
     </p:spTree>
     <p:extLst>
       <p:ext uri="{BB962C8B-B14F-4D97-AF65-F5344CB8AC3E}">
-        <p14:creationId xmlns:p14="http://schemas.microsoft.com/office/powerpoint/2010/main" val="1231648525"/>
+        <p14:creationId xmlns:p14="http://schemas.microsoft.com/office/powerpoint/2010/main" val="808572590"/>
       </p:ext>
     </p:extLst>
   </p:cSld>
@@ -2417,7 +2431,7 @@
       </p:grpSpPr>
       <p:sp>
         <p:nvSpPr>
-          <p:cNvPr id="2" name="Title Placeholder 1"/>
+          <p:cNvPr id="2" name="标题占位符 1"/>
           <p:cNvSpPr>
             <a:spLocks noGrp="1"/>
           </p:cNvSpPr>
@@ -2441,15 +2455,16 @@
           <a:lstStyle/>
           <a:p>
             <a:r>
-              <a:rPr lang="en-US"/>
-              <a:t>Click to edit Master title style</a:t>
+              <a:rPr lang="zh-CN" altLang="en-US"/>
+              <a:t>单击此处编辑母版标题样式</a:t>
             </a:r>
+            <a:endParaRPr lang="en-US"/>
           </a:p>
         </p:txBody>
       </p:sp>
       <p:sp>
         <p:nvSpPr>
-          <p:cNvPr id="3" name="Text Placeholder 2"/>
+          <p:cNvPr id="3" name="文本占位符 2"/>
           <p:cNvSpPr>
             <a:spLocks noGrp="1"/>
           </p:cNvSpPr>
@@ -2474,43 +2489,44 @@
           <a:p>
             <a:pPr lvl="0"/>
             <a:r>
-              <a:rPr lang="en-US"/>
-              <a:t>Edit Master text styles</a:t>
+              <a:rPr lang="zh-CN" altLang="en-US"/>
+              <a:t>编辑母版文本样式</a:t>
             </a:r>
           </a:p>
           <a:p>
             <a:pPr lvl="1"/>
             <a:r>
-              <a:rPr lang="en-US"/>
-              <a:t>Second level</a:t>
+              <a:rPr lang="zh-CN" altLang="en-US"/>
+              <a:t>第二级</a:t>
             </a:r>
           </a:p>
           <a:p>
             <a:pPr lvl="2"/>
             <a:r>
-              <a:rPr lang="en-US"/>
-              <a:t>Third level</a:t>
+              <a:rPr lang="zh-CN" altLang="en-US"/>
+              <a:t>第三级</a:t>
             </a:r>
           </a:p>
           <a:p>
             <a:pPr lvl="3"/>
             <a:r>
-              <a:rPr lang="en-US"/>
-              <a:t>Fourth level</a:t>
+              <a:rPr lang="zh-CN" altLang="en-US"/>
+              <a:t>第四级</a:t>
             </a:r>
           </a:p>
           <a:p>
             <a:pPr lvl="4"/>
             <a:r>
-              <a:rPr lang="en-US"/>
-              <a:t>Fifth level</a:t>
+              <a:rPr lang="zh-CN" altLang="en-US"/>
+              <a:t>第五级</a:t>
             </a:r>
+            <a:endParaRPr lang="en-US"/>
           </a:p>
         </p:txBody>
       </p:sp>
       <p:sp>
         <p:nvSpPr>
-          <p:cNvPr id="4" name="Date Placeholder 3"/>
+          <p:cNvPr id="4" name="日期占位符 3"/>
           <p:cNvSpPr>
             <a:spLocks noGrp="1"/>
           </p:cNvSpPr>
@@ -2541,9 +2557,9 @@
             </a:lvl1pPr>
           </a:lstStyle>
           <a:p>
-            <a:fld id="{FF81D936-E98F-4EF9-91D2-507238168EB3}" type="datetimeFigureOut">
+            <a:fld id="{A1F6C8EB-E8B5-457F-80FD-FC6EF6300726}" type="datetimeFigureOut">
               <a:rPr lang="en-US" smtClean="0"/>
-              <a:t>11/22/2016</a:t>
+              <a:t>11/27/2016</a:t>
             </a:fld>
             <a:endParaRPr lang="en-US"/>
           </a:p>
@@ -2551,7 +2567,7 @@
       </p:sp>
       <p:sp>
         <p:nvSpPr>
-          <p:cNvPr id="5" name="Footer Placeholder 4"/>
+          <p:cNvPr id="5" name="页脚占位符 4"/>
           <p:cNvSpPr>
             <a:spLocks noGrp="1"/>
           </p:cNvSpPr>
@@ -2588,7 +2604,7 @@
       </p:sp>
       <p:sp>
         <p:nvSpPr>
-          <p:cNvPr id="6" name="Slide Number Placeholder 5"/>
+          <p:cNvPr id="6" name="灯片编号占位符 5"/>
           <p:cNvSpPr>
             <a:spLocks noGrp="1"/>
           </p:cNvSpPr>
@@ -2619,7 +2635,7 @@
             </a:lvl1pPr>
           </a:lstStyle>
           <a:p>
-            <a:fld id="{1A8D7C98-2239-41F6-9150-A0C9988988D5}" type="slidenum">
+            <a:fld id="{089118DF-0C3D-4AC6-AFEA-063ED64B9DE7}" type="slidenum">
               <a:rPr lang="en-US" smtClean="0"/>
               <a:t>‹#›</a:t>
             </a:fld>
@@ -2630,7 +2646,7 @@
     </p:spTree>
     <p:extLst>
       <p:ext uri="{BB962C8B-B14F-4D97-AF65-F5344CB8AC3E}">
-        <p14:creationId xmlns:p14="http://schemas.microsoft.com/office/powerpoint/2010/main" val="954511176"/>
+        <p14:creationId xmlns:p14="http://schemas.microsoft.com/office/powerpoint/2010/main" val="2403521725"/>
       </p:ext>
     </p:extLst>
   </p:cSld>
@@ -2952,21 +2968,21 @@
         <mc:Choice xmlns:a14="http://schemas.microsoft.com/office/drawing/2010/main" Requires="a14">
           <p:graphicFrame>
             <p:nvGraphicFramePr>
-              <p:cNvPr id="2" name="Table 1"/>
+              <p:cNvPr id="3" name="Table 1"/>
               <p:cNvGraphicFramePr>
                 <a:graphicFrameLocks noGrp="1"/>
               </p:cNvGraphicFramePr>
               <p:nvPr>
                 <p:extLst>
                   <p:ext uri="{D42A27DB-BD31-4B8C-83A1-F6EECF244321}">
-                    <p14:modId xmlns:p14="http://schemas.microsoft.com/office/powerpoint/2010/main" val="40198210"/>
+                    <p14:modId xmlns:p14="http://schemas.microsoft.com/office/powerpoint/2010/main" val="2512188551"/>
                   </p:ext>
                 </p:extLst>
               </p:nvPr>
             </p:nvGraphicFramePr>
             <p:xfrm>
-              <a:off x="3828716" y="412630"/>
-              <a:ext cx="7008090" cy="5556445"/>
+              <a:off x="1882470" y="504908"/>
+              <a:ext cx="6583680" cy="5486400"/>
             </p:xfrm>
             <a:graphic>
               <a:graphicData uri="http://schemas.openxmlformats.org/drawingml/2006/table">
@@ -2975,42 +2991,42 @@
                     <a:tableStyleId>{5C22544A-7EE6-4342-B048-85BDC9FD1C3A}</a:tableStyleId>
                   </a:tblPr>
                   <a:tblGrid>
-                    <a:gridCol w="1168015">
+                    <a:gridCol w="1097280">
                       <a:extLst>
                         <a:ext uri="{9D8B030D-6E8A-4147-A177-3AD203B41FA5}">
                           <a16:colId xmlns:a16="http://schemas.microsoft.com/office/drawing/2014/main" val="3913351010"/>
                         </a:ext>
                       </a:extLst>
                     </a:gridCol>
-                    <a:gridCol w="1168015">
+                    <a:gridCol w="1097280">
                       <a:extLst>
                         <a:ext uri="{9D8B030D-6E8A-4147-A177-3AD203B41FA5}">
                           <a16:colId xmlns:a16="http://schemas.microsoft.com/office/drawing/2014/main" val="2456346011"/>
                         </a:ext>
                       </a:extLst>
                     </a:gridCol>
-                    <a:gridCol w="1168015">
+                    <a:gridCol w="1097280">
                       <a:extLst>
                         <a:ext uri="{9D8B030D-6E8A-4147-A177-3AD203B41FA5}">
                           <a16:colId xmlns:a16="http://schemas.microsoft.com/office/drawing/2014/main" val="3401977594"/>
                         </a:ext>
                       </a:extLst>
                     </a:gridCol>
-                    <a:gridCol w="1168015">
+                    <a:gridCol w="1097280">
                       <a:extLst>
                         <a:ext uri="{9D8B030D-6E8A-4147-A177-3AD203B41FA5}">
                           <a16:colId xmlns:a16="http://schemas.microsoft.com/office/drawing/2014/main" val="1455621364"/>
                         </a:ext>
                       </a:extLst>
                     </a:gridCol>
-                    <a:gridCol w="1168015">
+                    <a:gridCol w="1097280">
                       <a:extLst>
                         <a:ext uri="{9D8B030D-6E8A-4147-A177-3AD203B41FA5}">
                           <a16:colId xmlns:a16="http://schemas.microsoft.com/office/drawing/2014/main" val="4101285096"/>
                         </a:ext>
                       </a:extLst>
                     </a:gridCol>
-                    <a:gridCol w="1168015">
+                    <a:gridCol w="1097280">
                       <a:extLst>
                         <a:ext uri="{9D8B030D-6E8A-4147-A177-3AD203B41FA5}">
                           <a16:colId xmlns:a16="http://schemas.microsoft.com/office/drawing/2014/main" val="4085316570"/>
@@ -3018,7 +3034,7 @@
                       </a:extLst>
                     </a:gridCol>
                   </a:tblGrid>
-                  <a:tr h="1111289">
+                  <a:tr h="1097280">
                     <a:tc>
                       <a:txBody>
                         <a:bodyPr/>
@@ -3026,14 +3042,14 @@
                         <a:p>
                           <a:pPr algn="ctr"/>
                           <a:r>
-                            <a:rPr lang="en-US" sz="2800" dirty="0">
+                            <a:rPr lang="en-US" sz="2400" dirty="0">
                               <a:latin typeface="+mn-lt"/>
                             </a:rPr>
                             <a:t>0,0</a:t>
                           </a:r>
                         </a:p>
                       </a:txBody>
-                      <a:tcPr>
+                      <a:tcPr anchor="ctr">
                         <a:lnL w="12700" cmpd="sng">
                           <a:noFill/>
                         </a:lnL>
@@ -3072,7 +3088,13 @@
                             <a:rPr lang="en-US" sz="2800" dirty="0">
                               <a:latin typeface="+mn-lt"/>
                             </a:rPr>
-                            <a:t>  0,1</a:t>
+                            <a:t>  </a:t>
+                          </a:r>
+                          <a:r>
+                            <a:rPr lang="en-US" sz="2400" dirty="0">
+                              <a:latin typeface="+mn-lt"/>
+                            </a:rPr>
+                            <a:t>0,1</a:t>
                           </a:r>
                         </a:p>
                         <a:p>
@@ -3102,7 +3124,7 @@
                           </a:r>
                         </a:p>
                       </a:txBody>
-                      <a:tcPr>
+                      <a:tcPr anchor="ctr">
                         <a:lnL w="12700" cmpd="sng">
                           <a:noFill/>
                         </a:lnL>
@@ -3140,7 +3162,13 @@
                             <a:rPr lang="en-US" sz="2800" dirty="0">
                               <a:latin typeface="+mn-lt"/>
                             </a:rPr>
-                            <a:t> 0,2</a:t>
+                            <a:t> </a:t>
+                          </a:r>
+                          <a:r>
+                            <a:rPr lang="en-US" sz="2400" dirty="0">
+                              <a:latin typeface="+mn-lt"/>
+                            </a:rPr>
+                            <a:t>0,2</a:t>
                           </a:r>
                         </a:p>
                         <a:p>
@@ -3170,7 +3198,7 @@
                           </a:r>
                         </a:p>
                       </a:txBody>
-                      <a:tcPr>
+                      <a:tcPr anchor="ctr">
                         <a:solidFill>
                           <a:schemeClr val="accent4">
                             <a:lumMod val="60000"/>
@@ -3202,8 +3230,13 @@
                             <a:defRPr/>
                           </a:pPr>
                           <a:r>
-                            <a:rPr lang="en-US" sz="2800" dirty="0">
+                            <a:rPr lang="en-US" sz="2400" b="1" kern="1200" dirty="0">
+                              <a:solidFill>
+                                <a:schemeClr val="lt1"/>
+                              </a:solidFill>
                               <a:latin typeface="+mn-lt"/>
+                              <a:ea typeface="+mn-ea"/>
+                              <a:cs typeface="+mn-cs"/>
                             </a:rPr>
                             <a:t>   0,3</a:t>
                           </a:r>
@@ -3233,7 +3266,7 @@
                           </a:r>
                         </a:p>
                       </a:txBody>
-                      <a:tcPr>
+                      <a:tcPr anchor="ctr">
                         <a:solidFill>
                           <a:schemeClr val="accent4">
                             <a:lumMod val="60000"/>
@@ -3268,7 +3301,13 @@
                             <a:rPr lang="en-US" sz="2800" dirty="0">
                               <a:latin typeface="+mn-lt"/>
                             </a:rPr>
-                            <a:t> 0,4</a:t>
+                            <a:t> </a:t>
+                          </a:r>
+                          <a:r>
+                            <a:rPr lang="en-US" sz="2400" dirty="0">
+                              <a:latin typeface="+mn-lt"/>
+                            </a:rPr>
+                            <a:t>0,4</a:t>
                           </a:r>
                         </a:p>
                         <a:p>
@@ -3298,7 +3337,7 @@
                           </a:r>
                         </a:p>
                       </a:txBody>
-                      <a:tcPr>
+                      <a:tcPr anchor="ctr">
                         <a:solidFill>
                           <a:schemeClr val="accent4">
                             <a:lumMod val="60000"/>
@@ -3333,7 +3372,13 @@
                             <a:rPr lang="en-US" sz="2800" dirty="0">
                               <a:latin typeface="+mn-lt"/>
                             </a:rPr>
-                            <a:t> 0,5</a:t>
+                            <a:t> </a:t>
+                          </a:r>
+                          <a:r>
+                            <a:rPr lang="en-US" sz="2400" dirty="0">
+                              <a:latin typeface="+mn-lt"/>
+                            </a:rPr>
+                            <a:t>0,5</a:t>
                           </a:r>
                         </a:p>
                         <a:p>
@@ -3363,11 +3408,10 @@
                           </a:r>
                         </a:p>
                       </a:txBody>
-                      <a:tcPr>
+                      <a:tcPr anchor="ctr">
                         <a:solidFill>
                           <a:schemeClr val="accent4">
-                            <a:lumMod val="60000"/>
-                            <a:lumOff val="40000"/>
+                            <a:lumMod val="75000"/>
                           </a:schemeClr>
                         </a:solidFill>
                       </a:tcPr>
@@ -3378,7 +3422,7 @@
                       </a:ext>
                     </a:extLst>
                   </a:tr>
-                  <a:tr h="1111289">
+                  <a:tr h="1097280">
                     <a:tc>
                       <a:txBody>
                         <a:bodyPr/>
@@ -3417,7 +3461,7 @@
                           </a:endParaRPr>
                         </a:p>
                       </a:txBody>
-                      <a:tcPr>
+                      <a:tcPr anchor="ctr">
                         <a:lnT w="38100" cmpd="sng">
                           <a:noFill/>
                         </a:lnT>
@@ -3461,7 +3505,24 @@
                               <a:ea typeface="+mn-ea"/>
                               <a:cs typeface="+mn-cs"/>
                             </a:rPr>
-                            <a:t> 1,1</a:t>
+                            <a:t> </a:t>
+                          </a:r>
+                          <a:r>
+                            <a:rPr kumimoji="0" lang="en-US" sz="2400" b="1" i="0" u="none" strike="noStrike" kern="1200" cap="none" spc="0" normalizeH="0" baseline="0" noProof="0" dirty="0">
+                              <a:ln>
+                                <a:noFill/>
+                              </a:ln>
+                              <a:solidFill>
+                                <a:prstClr val="white"/>
+                              </a:solidFill>
+                              <a:effectLst/>
+                              <a:uLnTx/>
+                              <a:uFillTx/>
+                              <a:latin typeface="Calibri" panose="020F0502020204030204"/>
+                              <a:ea typeface="+mn-ea"/>
+                              <a:cs typeface="+mn-cs"/>
+                            </a:rPr>
+                            <a:t>1,1</a:t>
                           </a:r>
                         </a:p>
                         <a:p>
@@ -3537,7 +3598,7 @@
                           </a:r>
                         </a:p>
                       </a:txBody>
-                      <a:tcPr>
+                      <a:tcPr anchor="ctr">
                         <a:solidFill>
                           <a:schemeClr val="accent4">
                             <a:lumMod val="60000"/>
@@ -3583,7 +3644,24 @@
                               <a:ea typeface="+mn-ea"/>
                               <a:cs typeface="+mn-cs"/>
                             </a:rPr>
-                            <a:t> 1,2</a:t>
+                            <a:t> </a:t>
+                          </a:r>
+                          <a:r>
+                            <a:rPr kumimoji="0" lang="en-US" sz="2400" b="1" i="0" u="none" strike="noStrike" kern="1200" cap="none" spc="0" normalizeH="0" baseline="0" noProof="0" dirty="0">
+                              <a:ln>
+                                <a:noFill/>
+                              </a:ln>
+                              <a:solidFill>
+                                <a:prstClr val="white"/>
+                              </a:solidFill>
+                              <a:effectLst/>
+                              <a:uLnTx/>
+                              <a:uFillTx/>
+                              <a:latin typeface="Calibri" panose="020F0502020204030204"/>
+                              <a:ea typeface="+mn-ea"/>
+                              <a:cs typeface="+mn-cs"/>
+                            </a:rPr>
+                            <a:t>1,2</a:t>
                           </a:r>
                         </a:p>
                         <a:p>
@@ -3659,7 +3737,7 @@
                           </a:r>
                         </a:p>
                       </a:txBody>
-                      <a:tcPr>
+                      <a:tcPr anchor="ctr">
                         <a:solidFill>
                           <a:schemeClr val="tx2">
                             <a:lumMod val="40000"/>
@@ -3705,7 +3783,24 @@
                               <a:ea typeface="+mn-ea"/>
                               <a:cs typeface="+mn-cs"/>
                             </a:rPr>
-                            <a:t> 1,3</a:t>
+                            <a:t> </a:t>
+                          </a:r>
+                          <a:r>
+                            <a:rPr kumimoji="0" lang="en-US" sz="2400" b="1" i="0" u="none" strike="noStrike" kern="1200" cap="none" spc="0" normalizeH="0" baseline="0" noProof="0" dirty="0">
+                              <a:ln>
+                                <a:noFill/>
+                              </a:ln>
+                              <a:solidFill>
+                                <a:prstClr val="white"/>
+                              </a:solidFill>
+                              <a:effectLst/>
+                              <a:uLnTx/>
+                              <a:uFillTx/>
+                              <a:latin typeface="Calibri" panose="020F0502020204030204"/>
+                              <a:ea typeface="+mn-ea"/>
+                              <a:cs typeface="+mn-cs"/>
+                            </a:rPr>
+                            <a:t>1,3</a:t>
                           </a:r>
                         </a:p>
                         <a:p>
@@ -3804,7 +3899,7 @@
                           </a:r>
                         </a:p>
                       </a:txBody>
-                      <a:tcPr>
+                      <a:tcPr anchor="ctr">
                         <a:solidFill>
                           <a:schemeClr val="accent6">
                             <a:lumMod val="60000"/>
@@ -3850,7 +3945,24 @@
                               <a:ea typeface="+mn-ea"/>
                               <a:cs typeface="+mn-cs"/>
                             </a:rPr>
-                            <a:t> 1,4</a:t>
+                            <a:t> </a:t>
+                          </a:r>
+                          <a:r>
+                            <a:rPr kumimoji="0" lang="en-US" sz="2400" b="1" i="0" u="none" strike="noStrike" kern="1200" cap="none" spc="0" normalizeH="0" baseline="0" noProof="0" dirty="0">
+                              <a:ln>
+                                <a:noFill/>
+                              </a:ln>
+                              <a:solidFill>
+                                <a:prstClr val="white"/>
+                              </a:solidFill>
+                              <a:effectLst/>
+                              <a:uLnTx/>
+                              <a:uFillTx/>
+                              <a:latin typeface="Calibri" panose="020F0502020204030204"/>
+                              <a:ea typeface="+mn-ea"/>
+                              <a:cs typeface="+mn-cs"/>
+                            </a:rPr>
+                            <a:t>1,4</a:t>
                           </a:r>
                         </a:p>
                         <a:p>
@@ -3949,9 +4061,9 @@
                           </a:r>
                         </a:p>
                       </a:txBody>
-                      <a:tcPr>
+                      <a:tcPr anchor="ctr">
                         <a:solidFill>
-                          <a:schemeClr val="accent4">
+                          <a:schemeClr val="accent5">
                             <a:lumMod val="75000"/>
                           </a:schemeClr>
                         </a:solidFill>
@@ -3994,7 +4106,24 @@
                               <a:ea typeface="+mn-ea"/>
                               <a:cs typeface="+mn-cs"/>
                             </a:rPr>
-                            <a:t> 1,5</a:t>
+                            <a:t> </a:t>
+                          </a:r>
+                          <a:r>
+                            <a:rPr kumimoji="0" lang="en-US" sz="2400" b="1" i="0" u="none" strike="noStrike" kern="1200" cap="none" spc="0" normalizeH="0" baseline="0" noProof="0" dirty="0">
+                              <a:ln>
+                                <a:noFill/>
+                              </a:ln>
+                              <a:solidFill>
+                                <a:prstClr val="white"/>
+                              </a:solidFill>
+                              <a:effectLst/>
+                              <a:uLnTx/>
+                              <a:uFillTx/>
+                              <a:latin typeface="Calibri" panose="020F0502020204030204"/>
+                              <a:ea typeface="+mn-ea"/>
+                              <a:cs typeface="+mn-cs"/>
+                            </a:rPr>
+                            <a:t>1,5</a:t>
                           </a:r>
                         </a:p>
                         <a:p>
@@ -4093,7 +4222,7 @@
                           </a:r>
                         </a:p>
                       </a:txBody>
-                      <a:tcPr>
+                      <a:tcPr anchor="ctr">
                         <a:solidFill>
                           <a:schemeClr val="accent4">
                             <a:lumMod val="60000"/>
@@ -4108,7 +4237,7 @@
                       </a:ext>
                     </a:extLst>
                   </a:tr>
-                  <a:tr h="1111289">
+                  <a:tr h="1097280">
                     <a:tc>
                       <a:txBody>
                         <a:bodyPr/>
@@ -4147,7 +4276,7 @@
                           </a:endParaRPr>
                         </a:p>
                       </a:txBody>
-                      <a:tcPr>
+                      <a:tcPr anchor="ctr">
                         <a:noFill/>
                       </a:tcPr>
                     </a:tc>
@@ -4174,7 +4303,7 @@
                             <a:defRPr/>
                           </a:pPr>
                           <a:r>
-                            <a:rPr kumimoji="0" lang="en-US" sz="2800" b="1" i="0" u="none" strike="noStrike" kern="1200" cap="none" spc="0" normalizeH="0" baseline="0" noProof="0" dirty="0">
+                            <a:rPr kumimoji="0" lang="en-US" sz="2400" b="1" i="0" u="none" strike="noStrike" kern="1200" cap="none" spc="0" normalizeH="0" baseline="0" noProof="0" dirty="0">
                               <a:ln>
                                 <a:noFill/>
                               </a:ln>
@@ -4287,7 +4416,7 @@
                           </a:r>
                         </a:p>
                       </a:txBody>
-                      <a:tcPr>
+                      <a:tcPr anchor="ctr">
                         <a:solidFill>
                           <a:schemeClr val="accent5">
                             <a:lumMod val="40000"/>
@@ -4319,7 +4448,7 @@
                             <a:defRPr/>
                           </a:pPr>
                           <a:r>
-                            <a:rPr kumimoji="0" lang="en-US" sz="2800" b="1" i="0" u="none" strike="noStrike" kern="1200" cap="none" spc="0" normalizeH="0" baseline="0" noProof="0" dirty="0">
+                            <a:rPr kumimoji="0" lang="en-US" sz="2400" b="1" i="0" u="none" strike="noStrike" kern="1200" cap="none" spc="0" normalizeH="0" baseline="0" noProof="0" dirty="0">
                               <a:ln>
                                 <a:noFill/>
                               </a:ln>
@@ -4409,7 +4538,7 @@
                           </a:r>
                         </a:p>
                       </a:txBody>
-                      <a:tcPr>
+                      <a:tcPr anchor="ctr">
                         <a:solidFill>
                           <a:schemeClr val="accent4">
                             <a:lumMod val="60000"/>
@@ -4455,7 +4584,24 @@
                               <a:ea typeface="+mn-ea"/>
                               <a:cs typeface="+mn-cs"/>
                             </a:rPr>
-                            <a:t> 2,3</a:t>
+                            <a:t> </a:t>
+                          </a:r>
+                          <a:r>
+                            <a:rPr kumimoji="0" lang="en-US" sz="2400" b="1" i="0" u="none" strike="noStrike" kern="1200" cap="none" spc="0" normalizeH="0" baseline="0" noProof="0" dirty="0">
+                              <a:ln>
+                                <a:noFill/>
+                              </a:ln>
+                              <a:solidFill>
+                                <a:prstClr val="white"/>
+                              </a:solidFill>
+                              <a:effectLst/>
+                              <a:uLnTx/>
+                              <a:uFillTx/>
+                              <a:latin typeface="Calibri" panose="020F0502020204030204"/>
+                              <a:ea typeface="+mn-ea"/>
+                              <a:cs typeface="+mn-cs"/>
+                            </a:rPr>
+                            <a:t>2,3</a:t>
                           </a:r>
                         </a:p>
                         <a:p>
@@ -4531,7 +4677,7 @@
                           </a:r>
                         </a:p>
                       </a:txBody>
-                      <a:tcPr>
+                      <a:tcPr anchor="ctr">
                         <a:solidFill>
                           <a:schemeClr val="accent2"/>
                         </a:solidFill>
@@ -4574,7 +4720,24 @@
                               <a:ea typeface="+mn-ea"/>
                               <a:cs typeface="+mn-cs"/>
                             </a:rPr>
-                            <a:t> 2,4</a:t>
+                            <a:t> </a:t>
+                          </a:r>
+                          <a:r>
+                            <a:rPr kumimoji="0" lang="en-US" sz="2400" b="1" i="0" u="none" strike="noStrike" kern="1200" cap="none" spc="0" normalizeH="0" baseline="0" noProof="0" dirty="0">
+                              <a:ln>
+                                <a:noFill/>
+                              </a:ln>
+                              <a:solidFill>
+                                <a:prstClr val="white"/>
+                              </a:solidFill>
+                              <a:effectLst/>
+                              <a:uLnTx/>
+                              <a:uFillTx/>
+                              <a:latin typeface="Calibri" panose="020F0502020204030204"/>
+                              <a:ea typeface="+mn-ea"/>
+                              <a:cs typeface="+mn-cs"/>
+                            </a:rPr>
+                            <a:t>2,4</a:t>
                           </a:r>
                         </a:p>
                         <a:p>
@@ -4650,7 +4813,7 @@
                           </a:r>
                         </a:p>
                       </a:txBody>
-                      <a:tcPr>
+                      <a:tcPr anchor="ctr">
                         <a:solidFill>
                           <a:schemeClr val="bg1">
                             <a:lumMod val="85000"/>
@@ -4681,7 +4844,7 @@
                             <a:defRPr/>
                           </a:pPr>
                           <a:r>
-                            <a:rPr kumimoji="0" lang="en-US" sz="2800" b="1" i="0" u="none" strike="noStrike" kern="1200" cap="none" spc="0" normalizeH="0" baseline="0" noProof="0" dirty="0">
+                            <a:rPr kumimoji="0" lang="en-US" sz="2400" b="1" i="0" u="none" strike="noStrike" kern="1200" cap="none" spc="0" normalizeH="0" baseline="0" noProof="0" dirty="0">
                               <a:ln>
                                 <a:noFill/>
                               </a:ln>
@@ -4771,7 +4934,7 @@
                           </a:r>
                         </a:p>
                       </a:txBody>
-                      <a:tcPr>
+                      <a:tcPr anchor="ctr">
                         <a:solidFill>
                           <a:schemeClr val="accent4">
                             <a:lumMod val="60000"/>
@@ -4786,7 +4949,7 @@
                       </a:ext>
                     </a:extLst>
                   </a:tr>
-                  <a:tr h="1111289">
+                  <a:tr h="1097280">
                     <a:tc>
                       <a:txBody>
                         <a:bodyPr/>
@@ -4825,7 +4988,7 @@
                           </a:endParaRPr>
                         </a:p>
                       </a:txBody>
-                      <a:tcPr>
+                      <a:tcPr anchor="ctr">
                         <a:noFill/>
                       </a:tcPr>
                     </a:tc>
@@ -4866,7 +5029,24 @@
                               <a:ea typeface="+mn-ea"/>
                               <a:cs typeface="+mn-cs"/>
                             </a:rPr>
-                            <a:t> 3,1</a:t>
+                            <a:t> </a:t>
+                          </a:r>
+                          <a:r>
+                            <a:rPr kumimoji="0" lang="en-US" sz="2400" b="1" i="0" u="none" strike="noStrike" kern="1200" cap="none" spc="0" normalizeH="0" baseline="0" noProof="0" dirty="0">
+                              <a:ln>
+                                <a:noFill/>
+                              </a:ln>
+                              <a:solidFill>
+                                <a:prstClr val="white"/>
+                              </a:solidFill>
+                              <a:effectLst/>
+                              <a:uLnTx/>
+                              <a:uFillTx/>
+                              <a:latin typeface="Calibri" panose="020F0502020204030204"/>
+                              <a:ea typeface="+mn-ea"/>
+                              <a:cs typeface="+mn-cs"/>
+                            </a:rPr>
+                            <a:t>3,1</a:t>
                           </a:r>
                         </a:p>
                         <a:p>
@@ -4942,7 +5122,7 @@
                           </a:r>
                         </a:p>
                       </a:txBody>
-                      <a:tcPr>
+                      <a:tcPr anchor="ctr">
                         <a:solidFill>
                           <a:schemeClr val="accent6">
                             <a:lumMod val="60000"/>
@@ -4988,7 +5168,24 @@
                               <a:ea typeface="+mn-ea"/>
                               <a:cs typeface="+mn-cs"/>
                             </a:rPr>
-                            <a:t> 3,2</a:t>
+                            <a:t> </a:t>
+                          </a:r>
+                          <a:r>
+                            <a:rPr kumimoji="0" lang="en-US" sz="2400" b="1" i="0" u="none" strike="noStrike" kern="1200" cap="none" spc="0" normalizeH="0" baseline="0" noProof="0" dirty="0">
+                              <a:ln>
+                                <a:noFill/>
+                              </a:ln>
+                              <a:solidFill>
+                                <a:prstClr val="white"/>
+                              </a:solidFill>
+                              <a:effectLst/>
+                              <a:uLnTx/>
+                              <a:uFillTx/>
+                              <a:latin typeface="Calibri" panose="020F0502020204030204"/>
+                              <a:ea typeface="+mn-ea"/>
+                              <a:cs typeface="+mn-cs"/>
+                            </a:rPr>
+                            <a:t>3,2</a:t>
                           </a:r>
                         </a:p>
                         <a:p>
@@ -5064,7 +5261,7 @@
                           </a:r>
                         </a:p>
                       </a:txBody>
-                      <a:tcPr>
+                      <a:tcPr anchor="ctr">
                         <a:solidFill>
                           <a:schemeClr val="accent2"/>
                         </a:solidFill>
@@ -5107,7 +5304,24 @@
                               <a:ea typeface="+mn-ea"/>
                               <a:cs typeface="+mn-cs"/>
                             </a:rPr>
-                            <a:t> 3,3</a:t>
+                            <a:t> </a:t>
+                          </a:r>
+                          <a:r>
+                            <a:rPr kumimoji="0" lang="en-US" sz="2400" b="1" i="0" u="none" strike="noStrike" kern="1200" cap="none" spc="0" normalizeH="0" baseline="0" noProof="0" dirty="0">
+                              <a:ln>
+                                <a:noFill/>
+                              </a:ln>
+                              <a:solidFill>
+                                <a:prstClr val="white"/>
+                              </a:solidFill>
+                              <a:effectLst/>
+                              <a:uLnTx/>
+                              <a:uFillTx/>
+                              <a:latin typeface="Calibri" panose="020F0502020204030204"/>
+                              <a:ea typeface="+mn-ea"/>
+                              <a:cs typeface="+mn-cs"/>
+                            </a:rPr>
+                            <a:t>3,3</a:t>
                           </a:r>
                         </a:p>
                         <a:p>
@@ -5183,7 +5397,7 @@
                           </a:r>
                         </a:p>
                       </a:txBody>
-                      <a:tcPr>
+                      <a:tcPr anchor="ctr">
                         <a:solidFill>
                           <a:schemeClr val="accent4">
                             <a:lumMod val="60000"/>
@@ -5229,7 +5443,24 @@
                               <a:ea typeface="+mn-ea"/>
                               <a:cs typeface="+mn-cs"/>
                             </a:rPr>
-                            <a:t> 3,4</a:t>
+                            <a:t> </a:t>
+                          </a:r>
+                          <a:r>
+                            <a:rPr kumimoji="0" lang="en-US" sz="2400" b="1" i="0" u="none" strike="noStrike" kern="1200" cap="none" spc="0" normalizeH="0" baseline="0" noProof="0" dirty="0">
+                              <a:ln>
+                                <a:noFill/>
+                              </a:ln>
+                              <a:solidFill>
+                                <a:prstClr val="white"/>
+                              </a:solidFill>
+                              <a:effectLst/>
+                              <a:uLnTx/>
+                              <a:uFillTx/>
+                              <a:latin typeface="Calibri" panose="020F0502020204030204"/>
+                              <a:ea typeface="+mn-ea"/>
+                              <a:cs typeface="+mn-cs"/>
+                            </a:rPr>
+                            <a:t>3,4</a:t>
                           </a:r>
                         </a:p>
                         <a:p>
@@ -5305,9 +5536,9 @@
                           </a:r>
                         </a:p>
                       </a:txBody>
-                      <a:tcPr>
+                      <a:tcPr anchor="ctr">
                         <a:solidFill>
-                          <a:schemeClr val="tx2">
+                          <a:schemeClr val="accent4">
                             <a:lumMod val="75000"/>
                           </a:schemeClr>
                         </a:solidFill>
@@ -5350,7 +5581,24 @@
                               <a:ea typeface="+mn-ea"/>
                               <a:cs typeface="+mn-cs"/>
                             </a:rPr>
-                            <a:t> 3,5</a:t>
+                            <a:t> </a:t>
+                          </a:r>
+                          <a:r>
+                            <a:rPr kumimoji="0" lang="en-US" sz="2400" b="1" i="0" u="none" strike="noStrike" kern="1200" cap="none" spc="0" normalizeH="0" baseline="0" noProof="0" dirty="0">
+                              <a:ln>
+                                <a:noFill/>
+                              </a:ln>
+                              <a:solidFill>
+                                <a:prstClr val="white"/>
+                              </a:solidFill>
+                              <a:effectLst/>
+                              <a:uLnTx/>
+                              <a:uFillTx/>
+                              <a:latin typeface="Calibri" panose="020F0502020204030204"/>
+                              <a:ea typeface="+mn-ea"/>
+                              <a:cs typeface="+mn-cs"/>
+                            </a:rPr>
+                            <a:t>3,5</a:t>
                           </a:r>
                         </a:p>
                         <a:p>
@@ -5386,7 +5634,7 @@
                               <a:ea typeface="+mn-ea"/>
                               <a:cs typeface="Times New Roman" panose="02020603050405020304" pitchFamily="18" charset="0"/>
                             </a:rPr>
-                            <a:t>5.84</a:t>
+                            <a:t>5.83</a:t>
                           </a:r>
                         </a:p>
                         <a:p>
@@ -5426,7 +5674,7 @@
                           </a:r>
                         </a:p>
                       </a:txBody>
-                      <a:tcPr>
+                      <a:tcPr anchor="ctr">
                         <a:solidFill>
                           <a:schemeClr val="accent4">
                             <a:lumMod val="60000"/>
@@ -5441,7 +5689,7 @@
                       </a:ext>
                     </a:extLst>
                   </a:tr>
-                  <a:tr h="1111289">
+                  <a:tr h="1097280">
                     <a:tc>
                       <a:txBody>
                         <a:bodyPr/>
@@ -5480,7 +5728,7 @@
                           </a:endParaRPr>
                         </a:p>
                       </a:txBody>
-                      <a:tcPr>
+                      <a:tcPr anchor="ctr">
                         <a:noFill/>
                       </a:tcPr>
                     </a:tc>
@@ -5521,7 +5769,24 @@
                               <a:ea typeface="+mn-ea"/>
                               <a:cs typeface="+mn-cs"/>
                             </a:rPr>
-                            <a:t> 4,1</a:t>
+                            <a:t> </a:t>
+                          </a:r>
+                          <a:r>
+                            <a:rPr kumimoji="0" lang="en-US" sz="2400" b="1" i="0" u="none" strike="noStrike" kern="1200" cap="none" spc="0" normalizeH="0" baseline="0" noProof="0" dirty="0">
+                              <a:ln>
+                                <a:noFill/>
+                              </a:ln>
+                              <a:solidFill>
+                                <a:prstClr val="white"/>
+                              </a:solidFill>
+                              <a:effectLst/>
+                              <a:uLnTx/>
+                              <a:uFillTx/>
+                              <a:latin typeface="Calibri" panose="020F0502020204030204"/>
+                              <a:ea typeface="+mn-ea"/>
+                              <a:cs typeface="+mn-cs"/>
+                            </a:rPr>
+                            <a:t>4,1</a:t>
                           </a:r>
                         </a:p>
                         <a:p>
@@ -5597,7 +5862,281 @@
                           </a:r>
                         </a:p>
                       </a:txBody>
-                      <a:tcPr>
+                      <a:tcPr anchor="ctr">
+                        <a:solidFill>
+                          <a:schemeClr val="accent5">
+                            <a:lumMod val="75000"/>
+                          </a:schemeClr>
+                        </a:solidFill>
+                      </a:tcPr>
+                    </a:tc>
+                    <a:tc>
+                      <a:txBody>
+                        <a:bodyPr/>
+                        <a:lstStyle/>
+                        <a:p>
+                          <a:pPr marL="0" marR="0" lvl="0" indent="0" algn="ctr" defTabSz="914400" rtl="0" eaLnBrk="1" fontAlgn="auto" latinLnBrk="0" hangingPunct="1">
+                            <a:lnSpc>
+                              <a:spcPct val="100000"/>
+                            </a:lnSpc>
+                            <a:spcBef>
+                              <a:spcPts val="0"/>
+                            </a:spcBef>
+                            <a:spcAft>
+                              <a:spcPts val="0"/>
+                            </a:spcAft>
+                            <a:buClrTx/>
+                            <a:buSzTx/>
+                            <a:buFontTx/>
+                            <a:buNone/>
+                            <a:tabLst/>
+                            <a:defRPr/>
+                          </a:pPr>
+                          <a:r>
+                            <a:rPr kumimoji="0" lang="en-US" sz="2800" b="1" i="0" u="none" strike="noStrike" kern="1200" cap="none" spc="0" normalizeH="0" baseline="0" noProof="0" dirty="0">
+                              <a:ln>
+                                <a:noFill/>
+                              </a:ln>
+                              <a:solidFill>
+                                <a:prstClr val="white"/>
+                              </a:solidFill>
+                              <a:effectLst/>
+                              <a:uLnTx/>
+                              <a:uFillTx/>
+                              <a:latin typeface="Calibri" panose="020F0502020204030204"/>
+                              <a:ea typeface="+mn-ea"/>
+                              <a:cs typeface="+mn-cs"/>
+                            </a:rPr>
+                            <a:t> </a:t>
+                          </a:r>
+                          <a:r>
+                            <a:rPr kumimoji="0" lang="en-US" sz="2400" b="1" i="0" u="none" strike="noStrike" kern="1200" cap="none" spc="0" normalizeH="0" baseline="0" noProof="0" dirty="0">
+                              <a:ln>
+                                <a:noFill/>
+                              </a:ln>
+                              <a:solidFill>
+                                <a:prstClr val="white"/>
+                              </a:solidFill>
+                              <a:effectLst/>
+                              <a:uLnTx/>
+                              <a:uFillTx/>
+                              <a:latin typeface="Calibri" panose="020F0502020204030204"/>
+                              <a:ea typeface="+mn-ea"/>
+                              <a:cs typeface="+mn-cs"/>
+                            </a:rPr>
+                            <a:t>4,2</a:t>
+                          </a:r>
+                        </a:p>
+                        <a:p>
+                          <a:pPr marL="0" marR="0" lvl="0" indent="0" algn="ctr" defTabSz="914400" rtl="0" eaLnBrk="1" fontAlgn="auto" latinLnBrk="0" hangingPunct="1">
+                            <a:lnSpc>
+                              <a:spcPct val="100000"/>
+                            </a:lnSpc>
+                            <a:spcBef>
+                              <a:spcPts val="0"/>
+                            </a:spcBef>
+                            <a:spcAft>
+                              <a:spcPts val="0"/>
+                            </a:spcAft>
+                            <a:buClrTx/>
+                            <a:buSzTx/>
+                            <a:buFontTx/>
+                            <a:buNone/>
+                            <a:tabLst/>
+                            <a:defRPr/>
+                          </a:pPr>
+                          <a:r>
+                            <a:rPr kumimoji="0" lang="en-US" sz="1800" b="1" i="0" u="none" strike="noStrike" kern="1200" cap="none" spc="0" normalizeH="0" baseline="0" noProof="0" dirty="0">
+                              <a:ln>
+                                <a:noFill/>
+                              </a:ln>
+                              <a:solidFill>
+                                <a:schemeClr val="tx1"/>
+                              </a:solidFill>
+                              <a:effectLst/>
+                              <a:uLnTx/>
+                              <a:uFillTx/>
+                              <a:latin typeface="Times New Roman" panose="02020603050405020304" pitchFamily="18" charset="0"/>
+                              <a:ea typeface="+mn-ea"/>
+                              <a:cs typeface="Times New Roman" panose="02020603050405020304" pitchFamily="18" charset="0"/>
+                            </a:rPr>
+                            <a:t>4.47</a:t>
+                          </a:r>
+                        </a:p>
+                        <a:p>
+                          <a:pPr marL="0" marR="0" lvl="0" indent="0" algn="ctr" defTabSz="914400" rtl="0" eaLnBrk="1" fontAlgn="auto" latinLnBrk="0" hangingPunct="1">
+                            <a:lnSpc>
+                              <a:spcPct val="100000"/>
+                            </a:lnSpc>
+                            <a:spcBef>
+                              <a:spcPts val="0"/>
+                            </a:spcBef>
+                            <a:spcAft>
+                              <a:spcPts val="0"/>
+                            </a:spcAft>
+                            <a:buClrTx/>
+                            <a:buSzTx/>
+                            <a:buFontTx/>
+                            <a:buNone/>
+                            <a:tabLst/>
+                            <a:defRPr/>
+                          </a:pPr>
+                          <a:r>
+                            <a:rPr kumimoji="0" lang="en-US" sz="1800" b="1" i="0" u="none" strike="noStrike" kern="1200" cap="none" spc="0" normalizeH="0" baseline="0" noProof="0" dirty="0">
+                              <a:ln>
+                                <a:noFill/>
+                              </a:ln>
+                              <a:solidFill>
+                                <a:srgbClr val="FF0000"/>
+                              </a:solidFill>
+                              <a:effectLst/>
+                              <a:uLnTx/>
+                              <a:uFillTx/>
+                              <a:latin typeface="Times New Roman" panose="02020603050405020304" pitchFamily="18" charset="0"/>
+                              <a:ea typeface="+mn-ea"/>
+                              <a:cs typeface="Times New Roman" panose="02020603050405020304" pitchFamily="18" charset="0"/>
+                            </a:rPr>
+                            <a:t>22</a:t>
+                          </a:r>
+                        </a:p>
+                      </a:txBody>
+                      <a:tcPr anchor="ctr">
+                        <a:solidFill>
+                          <a:schemeClr val="bg2"/>
+                        </a:solidFill>
+                      </a:tcPr>
+                    </a:tc>
+                    <a:tc>
+                      <a:txBody>
+                        <a:bodyPr/>
+                        <a:lstStyle/>
+                        <a:p>
+                          <a:pPr marL="0" marR="0" lvl="0" indent="0" algn="ctr" defTabSz="914400" rtl="0" eaLnBrk="1" fontAlgn="auto" latinLnBrk="0" hangingPunct="1">
+                            <a:lnSpc>
+                              <a:spcPct val="100000"/>
+                            </a:lnSpc>
+                            <a:spcBef>
+                              <a:spcPts val="0"/>
+                            </a:spcBef>
+                            <a:spcAft>
+                              <a:spcPts val="0"/>
+                            </a:spcAft>
+                            <a:buClrTx/>
+                            <a:buSzTx/>
+                            <a:buFontTx/>
+                            <a:buNone/>
+                            <a:tabLst/>
+                            <a:defRPr/>
+                          </a:pPr>
+                          <a:r>
+                            <a:rPr kumimoji="0" lang="en-US" sz="2800" b="1" i="0" u="none" strike="noStrike" kern="1200" cap="none" spc="0" normalizeH="0" baseline="0" noProof="0" dirty="0">
+                              <a:ln>
+                                <a:noFill/>
+                              </a:ln>
+                              <a:solidFill>
+                                <a:prstClr val="white"/>
+                              </a:solidFill>
+                              <a:effectLst/>
+                              <a:uLnTx/>
+                              <a:uFillTx/>
+                              <a:latin typeface="Calibri" panose="020F0502020204030204"/>
+                              <a:ea typeface="+mn-ea"/>
+                              <a:cs typeface="+mn-cs"/>
+                            </a:rPr>
+                            <a:t> </a:t>
+                          </a:r>
+                          <a:r>
+                            <a:rPr kumimoji="0" lang="en-US" sz="2400" b="1" i="0" u="none" strike="noStrike" kern="1200" cap="none" spc="0" normalizeH="0" baseline="0" noProof="0" dirty="0">
+                              <a:ln>
+                                <a:noFill/>
+                              </a:ln>
+                              <a:solidFill>
+                                <a:prstClr val="white"/>
+                              </a:solidFill>
+                              <a:effectLst/>
+                              <a:uLnTx/>
+                              <a:uFillTx/>
+                              <a:latin typeface="Calibri" panose="020F0502020204030204"/>
+                              <a:ea typeface="+mn-ea"/>
+                              <a:cs typeface="+mn-cs"/>
+                            </a:rPr>
+                            <a:t>4,3</a:t>
+                          </a:r>
+                        </a:p>
+                        <a:p>
+                          <a:pPr marL="0" marR="0" lvl="0" indent="0" algn="ctr" defTabSz="914400" rtl="0" eaLnBrk="1" fontAlgn="auto" latinLnBrk="0" hangingPunct="1">
+                            <a:lnSpc>
+                              <a:spcPct val="100000"/>
+                            </a:lnSpc>
+                            <a:spcBef>
+                              <a:spcPts val="0"/>
+                            </a:spcBef>
+                            <a:spcAft>
+                              <a:spcPts val="0"/>
+                            </a:spcAft>
+                            <a:buClrTx/>
+                            <a:buSzTx/>
+                            <a:buFontTx/>
+                            <a:buNone/>
+                            <a:tabLst/>
+                            <a:defRPr/>
+                          </a:pPr>
+                          <a:r>
+                            <a:rPr kumimoji="0" lang="en-US" sz="1800" b="1" i="0" u="none" strike="noStrike" kern="1200" cap="none" spc="0" normalizeH="0" baseline="0" noProof="0" dirty="0">
+                              <a:ln>
+                                <a:noFill/>
+                              </a:ln>
+                              <a:solidFill>
+                                <a:schemeClr val="tx1"/>
+                              </a:solidFill>
+                              <a:effectLst/>
+                              <a:uLnTx/>
+                              <a:uFillTx/>
+                              <a:latin typeface="Times New Roman" panose="02020603050405020304" pitchFamily="18" charset="0"/>
+                              <a:ea typeface="+mn-ea"/>
+                              <a:cs typeface="Times New Roman" panose="02020603050405020304" pitchFamily="18" charset="0"/>
+                            </a:rPr>
+                            <a:t>5</a:t>
+                          </a:r>
+                        </a:p>
+                        <a:p>
+                          <a:pPr marL="0" marR="0" lvl="0" indent="0" algn="ctr" defTabSz="914400" rtl="0" eaLnBrk="1" fontAlgn="auto" latinLnBrk="0" hangingPunct="1">
+                            <a:lnSpc>
+                              <a:spcPct val="100000"/>
+                            </a:lnSpc>
+                            <a:spcBef>
+                              <a:spcPts val="0"/>
+                            </a:spcBef>
+                            <a:spcAft>
+                              <a:spcPts val="0"/>
+                            </a:spcAft>
+                            <a:buClrTx/>
+                            <a:buSzTx/>
+                            <a:buFontTx/>
+                            <a:buNone/>
+                            <a:tabLst/>
+                            <a:defRPr/>
+                          </a:pPr>
+                          <a:r>
+                            <a:rPr kumimoji="0" lang="en-US" sz="1800" b="1" i="0" u="none" strike="noStrike" kern="1200" cap="none" spc="0" normalizeH="0" baseline="0" noProof="0" dirty="0">
+                              <a:ln>
+                                <a:noFill/>
+                              </a:ln>
+                              <a:solidFill>
+                                <a:srgbClr val="FF0000"/>
+                              </a:solidFill>
+                              <a:effectLst/>
+                              <a:uLnTx/>
+                              <a:uFillTx/>
+                              <a:latin typeface="Times New Roman" panose="02020603050405020304" pitchFamily="18" charset="0"/>
+                              <a:ea typeface="+mn-ea"/>
+                              <a:cs typeface="Times New Roman" panose="02020603050405020304" pitchFamily="18" charset="0"/>
+                            </a:rPr>
+                            <a:t>23</a:t>
+                          </a:r>
+                        </a:p>
+                      </a:txBody>
+                      <a:tcPr anchor="ctr">
                         <a:solidFill>
                           <a:schemeClr val="accent4">
                             <a:lumMod val="75000"/>
@@ -5642,7 +6181,24 @@
                               <a:ea typeface="+mn-ea"/>
                               <a:cs typeface="+mn-cs"/>
                             </a:rPr>
-                            <a:t> 4,2</a:t>
+                            <a:t> </a:t>
+                          </a:r>
+                          <a:r>
+                            <a:rPr kumimoji="0" lang="en-US" sz="2400" b="1" i="0" u="none" strike="noStrike" kern="1200" cap="none" spc="0" normalizeH="0" baseline="0" noProof="0" dirty="0">
+                              <a:ln>
+                                <a:noFill/>
+                              </a:ln>
+                              <a:solidFill>
+                                <a:prstClr val="white"/>
+                              </a:solidFill>
+                              <a:effectLst/>
+                              <a:uLnTx/>
+                              <a:uFillTx/>
+                              <a:latin typeface="Calibri" panose="020F0502020204030204"/>
+                              <a:ea typeface="+mn-ea"/>
+                              <a:cs typeface="+mn-cs"/>
+                            </a:rPr>
+                            <a:t>4,4</a:t>
                           </a:r>
                         </a:p>
                         <a:p>
@@ -5678,7 +6234,7 @@
                               <a:ea typeface="+mn-ea"/>
                               <a:cs typeface="Times New Roman" panose="02020603050405020304" pitchFamily="18" charset="0"/>
                             </a:rPr>
-                            <a:t>4.47</a:t>
+                            <a:t>5.66</a:t>
                           </a:r>
                         </a:p>
                         <a:p>
@@ -5714,251 +6270,11 @@
                               <a:ea typeface="+mn-ea"/>
                               <a:cs typeface="Times New Roman" panose="02020603050405020304" pitchFamily="18" charset="0"/>
                             </a:rPr>
-                            <a:t>22</a:t>
+                            <a:t>24</a:t>
                           </a:r>
                         </a:p>
                       </a:txBody>
-                      <a:tcPr>
-                        <a:solidFill>
-                          <a:schemeClr val="bg2"/>
-                        </a:solidFill>
-                      </a:tcPr>
-                    </a:tc>
-                    <a:tc>
-                      <a:txBody>
-                        <a:bodyPr/>
-                        <a:lstStyle/>
-                        <a:p>
-                          <a:pPr marL="0" marR="0" lvl="0" indent="0" algn="ctr" defTabSz="914400" rtl="0" eaLnBrk="1" fontAlgn="auto" latinLnBrk="0" hangingPunct="1">
-                            <a:lnSpc>
-                              <a:spcPct val="100000"/>
-                            </a:lnSpc>
-                            <a:spcBef>
-                              <a:spcPts val="0"/>
-                            </a:spcBef>
-                            <a:spcAft>
-                              <a:spcPts val="0"/>
-                            </a:spcAft>
-                            <a:buClrTx/>
-                            <a:buSzTx/>
-                            <a:buFontTx/>
-                            <a:buNone/>
-                            <a:tabLst/>
-                            <a:defRPr/>
-                          </a:pPr>
-                          <a:r>
-                            <a:rPr kumimoji="0" lang="en-US" sz="2800" b="1" i="0" u="none" strike="noStrike" kern="1200" cap="none" spc="0" normalizeH="0" baseline="0" noProof="0" dirty="0">
-                              <a:ln>
-                                <a:noFill/>
-                              </a:ln>
-                              <a:solidFill>
-                                <a:prstClr val="white"/>
-                              </a:solidFill>
-                              <a:effectLst/>
-                              <a:uLnTx/>
-                              <a:uFillTx/>
-                              <a:latin typeface="Calibri" panose="020F0502020204030204"/>
-                              <a:ea typeface="+mn-ea"/>
-                              <a:cs typeface="+mn-cs"/>
-                            </a:rPr>
-                            <a:t> 4,3</a:t>
-                          </a:r>
-                        </a:p>
-                        <a:p>
-                          <a:pPr marL="0" marR="0" lvl="0" indent="0" algn="ctr" defTabSz="914400" rtl="0" eaLnBrk="1" fontAlgn="auto" latinLnBrk="0" hangingPunct="1">
-                            <a:lnSpc>
-                              <a:spcPct val="100000"/>
-                            </a:lnSpc>
-                            <a:spcBef>
-                              <a:spcPts val="0"/>
-                            </a:spcBef>
-                            <a:spcAft>
-                              <a:spcPts val="0"/>
-                            </a:spcAft>
-                            <a:buClrTx/>
-                            <a:buSzTx/>
-                            <a:buFontTx/>
-                            <a:buNone/>
-                            <a:tabLst/>
-                            <a:defRPr/>
-                          </a:pPr>
-                          <a:r>
-                            <a:rPr kumimoji="0" lang="en-US" sz="1800" b="1" i="0" u="none" strike="noStrike" kern="1200" cap="none" spc="0" normalizeH="0" baseline="0" noProof="0" dirty="0">
-                              <a:ln>
-                                <a:noFill/>
-                              </a:ln>
-                              <a:solidFill>
-                                <a:schemeClr val="tx1"/>
-                              </a:solidFill>
-                              <a:effectLst/>
-                              <a:uLnTx/>
-                              <a:uFillTx/>
-                              <a:latin typeface="Times New Roman" panose="02020603050405020304" pitchFamily="18" charset="0"/>
-                              <a:ea typeface="+mn-ea"/>
-                              <a:cs typeface="Times New Roman" panose="02020603050405020304" pitchFamily="18" charset="0"/>
-                            </a:rPr>
-                            <a:t>5</a:t>
-                          </a:r>
-                        </a:p>
-                        <a:p>
-                          <a:pPr marL="0" marR="0" lvl="0" indent="0" algn="ctr" defTabSz="914400" rtl="0" eaLnBrk="1" fontAlgn="auto" latinLnBrk="0" hangingPunct="1">
-                            <a:lnSpc>
-                              <a:spcPct val="100000"/>
-                            </a:lnSpc>
-                            <a:spcBef>
-                              <a:spcPts val="0"/>
-                            </a:spcBef>
-                            <a:spcAft>
-                              <a:spcPts val="0"/>
-                            </a:spcAft>
-                            <a:buClrTx/>
-                            <a:buSzTx/>
-                            <a:buFontTx/>
-                            <a:buNone/>
-                            <a:tabLst/>
-                            <a:defRPr/>
-                          </a:pPr>
-                          <a:r>
-                            <a:rPr kumimoji="0" lang="en-US" sz="1800" b="1" i="0" u="none" strike="noStrike" kern="1200" cap="none" spc="0" normalizeH="0" baseline="0" noProof="0" dirty="0">
-                              <a:ln>
-                                <a:noFill/>
-                              </a:ln>
-                              <a:solidFill>
-                                <a:srgbClr val="FF0000"/>
-                              </a:solidFill>
-                              <a:effectLst/>
-                              <a:uLnTx/>
-                              <a:uFillTx/>
-                              <a:latin typeface="Times New Roman" panose="02020603050405020304" pitchFamily="18" charset="0"/>
-                              <a:ea typeface="+mn-ea"/>
-                              <a:cs typeface="Times New Roman" panose="02020603050405020304" pitchFamily="18" charset="0"/>
-                            </a:rPr>
-                            <a:t>23</a:t>
-                          </a:r>
-                        </a:p>
-                      </a:txBody>
-                      <a:tcPr>
-                        <a:solidFill>
-                          <a:schemeClr val="tx2">
-                            <a:lumMod val="75000"/>
-                          </a:schemeClr>
-                        </a:solidFill>
-                      </a:tcPr>
-                    </a:tc>
-                    <a:tc>
-                      <a:txBody>
-                        <a:bodyPr/>
-                        <a:lstStyle/>
-                        <a:p>
-                          <a:pPr marL="0" marR="0" lvl="0" indent="0" algn="ctr" defTabSz="914400" rtl="0" eaLnBrk="1" fontAlgn="auto" latinLnBrk="0" hangingPunct="1">
-                            <a:lnSpc>
-                              <a:spcPct val="100000"/>
-                            </a:lnSpc>
-                            <a:spcBef>
-                              <a:spcPts val="0"/>
-                            </a:spcBef>
-                            <a:spcAft>
-                              <a:spcPts val="0"/>
-                            </a:spcAft>
-                            <a:buClrTx/>
-                            <a:buSzTx/>
-                            <a:buFontTx/>
-                            <a:buNone/>
-                            <a:tabLst/>
-                            <a:defRPr/>
-                          </a:pPr>
-                          <a:r>
-                            <a:rPr kumimoji="0" lang="en-US" sz="2800" b="1" i="0" u="none" strike="noStrike" kern="1200" cap="none" spc="0" normalizeH="0" baseline="0" noProof="0" dirty="0">
-                              <a:ln>
-                                <a:noFill/>
-                              </a:ln>
-                              <a:solidFill>
-                                <a:prstClr val="white"/>
-                              </a:solidFill>
-                              <a:effectLst/>
-                              <a:uLnTx/>
-                              <a:uFillTx/>
-                              <a:latin typeface="Calibri" panose="020F0502020204030204"/>
-                              <a:ea typeface="+mn-ea"/>
-                              <a:cs typeface="+mn-cs"/>
-                            </a:rPr>
-                            <a:t> 4,4</a:t>
-                          </a:r>
-                        </a:p>
-                        <a:p>
-                          <a:pPr marL="0" marR="0" lvl="0" indent="0" algn="ctr" defTabSz="914400" rtl="0" eaLnBrk="1" fontAlgn="auto" latinLnBrk="0" hangingPunct="1">
-                            <a:lnSpc>
-                              <a:spcPct val="100000"/>
-                            </a:lnSpc>
-                            <a:spcBef>
-                              <a:spcPts val="0"/>
-                            </a:spcBef>
-                            <a:spcAft>
-                              <a:spcPts val="0"/>
-                            </a:spcAft>
-                            <a:buClrTx/>
-                            <a:buSzTx/>
-                            <a:buFontTx/>
-                            <a:buNone/>
-                            <a:tabLst/>
-                            <a:defRPr/>
-                          </a:pPr>
-                          <a:r>
-                            <a:rPr kumimoji="0" lang="en-US" sz="1800" b="1" i="0" u="none" strike="noStrike" kern="1200" cap="none" spc="0" normalizeH="0" baseline="0" noProof="0" dirty="0">
-                              <a:ln>
-                                <a:noFill/>
-                              </a:ln>
-                              <a:solidFill>
-                                <a:schemeClr val="tx1"/>
-                              </a:solidFill>
-                              <a:effectLst/>
-                              <a:uLnTx/>
-                              <a:uFillTx/>
-                              <a:latin typeface="Times New Roman" panose="02020603050405020304" pitchFamily="18" charset="0"/>
-                              <a:ea typeface="+mn-ea"/>
-                              <a:cs typeface="Times New Roman" panose="02020603050405020304" pitchFamily="18" charset="0"/>
-                            </a:rPr>
-                            <a:t>5.66</a:t>
-                          </a:r>
-                        </a:p>
-                        <a:p>
-                          <a:pPr marL="0" marR="0" lvl="0" indent="0" algn="ctr" defTabSz="914400" rtl="0" eaLnBrk="1" fontAlgn="auto" latinLnBrk="0" hangingPunct="1">
-                            <a:lnSpc>
-                              <a:spcPct val="100000"/>
-                            </a:lnSpc>
-                            <a:spcBef>
-                              <a:spcPts val="0"/>
-                            </a:spcBef>
-                            <a:spcAft>
-                              <a:spcPts val="0"/>
-                            </a:spcAft>
-                            <a:buClrTx/>
-                            <a:buSzTx/>
-                            <a:buFontTx/>
-                            <a:buNone/>
-                            <a:tabLst/>
-                            <a:defRPr/>
-                          </a:pPr>
-                          <a:r>
-                            <a:rPr kumimoji="0" lang="en-US" sz="1800" b="1" i="0" u="none" strike="noStrike" kern="1200" cap="none" spc="0" normalizeH="0" baseline="0" noProof="0" dirty="0">
-                              <a:ln>
-                                <a:noFill/>
-                              </a:ln>
-                              <a:solidFill>
-                                <a:srgbClr val="FF0000"/>
-                              </a:solidFill>
-                              <a:effectLst/>
-                              <a:uLnTx/>
-                              <a:uFillTx/>
-                              <a:latin typeface="Times New Roman" panose="02020603050405020304" pitchFamily="18" charset="0"/>
-                              <a:ea typeface="+mn-ea"/>
-                              <a:cs typeface="Times New Roman" panose="02020603050405020304" pitchFamily="18" charset="0"/>
-                            </a:rPr>
-                            <a:t>24</a:t>
-                          </a:r>
-                        </a:p>
-                      </a:txBody>
-                      <a:tcPr>
+                      <a:tcPr anchor="ctr">
                         <a:solidFill>
                           <a:schemeClr val="accent4">
                             <a:lumMod val="60000"/>
@@ -6004,7 +6320,24 @@
                               <a:ea typeface="+mn-ea"/>
                               <a:cs typeface="+mn-cs"/>
                             </a:rPr>
-                            <a:t> 4,5</a:t>
+                            <a:t> </a:t>
+                          </a:r>
+                          <a:r>
+                            <a:rPr kumimoji="0" lang="en-US" sz="2400" b="1" i="0" u="none" strike="noStrike" kern="1200" cap="none" spc="0" normalizeH="0" baseline="0" noProof="0" dirty="0">
+                              <a:ln>
+                                <a:noFill/>
+                              </a:ln>
+                              <a:solidFill>
+                                <a:prstClr val="white"/>
+                              </a:solidFill>
+                              <a:effectLst/>
+                              <a:uLnTx/>
+                              <a:uFillTx/>
+                              <a:latin typeface="Calibri" panose="020F0502020204030204"/>
+                              <a:ea typeface="+mn-ea"/>
+                              <a:cs typeface="+mn-cs"/>
+                            </a:rPr>
+                            <a:t>4,5</a:t>
                           </a:r>
                         </a:p>
                         <a:p>
@@ -6080,7 +6413,7 @@
                           </a:r>
                         </a:p>
                       </a:txBody>
-                      <a:tcPr>
+                      <a:tcPr anchor="ctr">
                         <a:solidFill>
                           <a:schemeClr val="accent4">
                             <a:lumMod val="60000"/>
@@ -6103,21 +6436,21 @@
         <mc:Fallback>
           <p:graphicFrame>
             <p:nvGraphicFramePr>
-              <p:cNvPr id="2" name="Table 1"/>
+              <p:cNvPr id="3" name="Table 1"/>
               <p:cNvGraphicFramePr>
                 <a:graphicFrameLocks noGrp="1"/>
               </p:cNvGraphicFramePr>
               <p:nvPr>
                 <p:extLst>
                   <p:ext uri="{D42A27DB-BD31-4B8C-83A1-F6EECF244321}">
-                    <p14:modId xmlns:p14="http://schemas.microsoft.com/office/powerpoint/2010/main" val="40198210"/>
+                    <p14:modId xmlns:p14="http://schemas.microsoft.com/office/powerpoint/2010/main" val="2512188551"/>
                   </p:ext>
                 </p:extLst>
               </p:nvPr>
             </p:nvGraphicFramePr>
             <p:xfrm>
-              <a:off x="3828716" y="412630"/>
-              <a:ext cx="7008090" cy="5556445"/>
+              <a:off x="1882470" y="504908"/>
+              <a:ext cx="6583680" cy="5486400"/>
             </p:xfrm>
             <a:graphic>
               <a:graphicData uri="http://schemas.openxmlformats.org/drawingml/2006/table">
@@ -6126,42 +6459,42 @@
                     <a:tableStyleId>{5C22544A-7EE6-4342-B048-85BDC9FD1C3A}</a:tableStyleId>
                   </a:tblPr>
                   <a:tblGrid>
-                    <a:gridCol w="1168015">
+                    <a:gridCol w="1097280">
                       <a:extLst>
                         <a:ext uri="{9D8B030D-6E8A-4147-A177-3AD203B41FA5}">
                           <a16:colId xmlns:a16="http://schemas.microsoft.com/office/drawing/2014/main" val="3913351010"/>
                         </a:ext>
                       </a:extLst>
                     </a:gridCol>
-                    <a:gridCol w="1168015">
+                    <a:gridCol w="1097280">
                       <a:extLst>
                         <a:ext uri="{9D8B030D-6E8A-4147-A177-3AD203B41FA5}">
                           <a16:colId xmlns:a16="http://schemas.microsoft.com/office/drawing/2014/main" val="2456346011"/>
                         </a:ext>
                       </a:extLst>
                     </a:gridCol>
-                    <a:gridCol w="1168015">
+                    <a:gridCol w="1097280">
                       <a:extLst>
                         <a:ext uri="{9D8B030D-6E8A-4147-A177-3AD203B41FA5}">
                           <a16:colId xmlns:a16="http://schemas.microsoft.com/office/drawing/2014/main" val="3401977594"/>
                         </a:ext>
                       </a:extLst>
                     </a:gridCol>
-                    <a:gridCol w="1168015">
+                    <a:gridCol w="1097280">
                       <a:extLst>
                         <a:ext uri="{9D8B030D-6E8A-4147-A177-3AD203B41FA5}">
                           <a16:colId xmlns:a16="http://schemas.microsoft.com/office/drawing/2014/main" val="1455621364"/>
                         </a:ext>
                       </a:extLst>
                     </a:gridCol>
-                    <a:gridCol w="1168015">
+                    <a:gridCol w="1097280">
                       <a:extLst>
                         <a:ext uri="{9D8B030D-6E8A-4147-A177-3AD203B41FA5}">
                           <a16:colId xmlns:a16="http://schemas.microsoft.com/office/drawing/2014/main" val="4101285096"/>
                         </a:ext>
                       </a:extLst>
                     </a:gridCol>
-                    <a:gridCol w="1168015">
+                    <a:gridCol w="1097280">
                       <a:extLst>
                         <a:ext uri="{9D8B030D-6E8A-4147-A177-3AD203B41FA5}">
                           <a16:colId xmlns:a16="http://schemas.microsoft.com/office/drawing/2014/main" val="4085316570"/>
@@ -6169,7 +6502,7 @@
                       </a:extLst>
                     </a:gridCol>
                   </a:tblGrid>
-                  <a:tr h="1111289">
+                  <a:tr h="1097280">
                     <a:tc>
                       <a:txBody>
                         <a:bodyPr/>
@@ -6177,14 +6510,14 @@
                         <a:p>
                           <a:pPr algn="ctr"/>
                           <a:r>
-                            <a:rPr lang="en-US" sz="2800" dirty="0">
+                            <a:rPr lang="en-US" sz="2400" dirty="0">
                               <a:latin typeface="+mn-lt"/>
                             </a:rPr>
                             <a:t>0,0</a:t>
                           </a:r>
                         </a:p>
                       </a:txBody>
-                      <a:tcPr>
+                      <a:tcPr anchor="ctr">
                         <a:lnL w="12700" cmpd="sng">
                           <a:noFill/>
                         </a:lnL>
@@ -6223,7 +6556,13 @@
                             <a:rPr lang="en-US" sz="2800" dirty="0">
                               <a:latin typeface="+mn-lt"/>
                             </a:rPr>
-                            <a:t>  0,1</a:t>
+                            <a:t>  </a:t>
+                          </a:r>
+                          <a:r>
+                            <a:rPr lang="en-US" sz="2400" dirty="0">
+                              <a:latin typeface="+mn-lt"/>
+                            </a:rPr>
+                            <a:t>0,1</a:t>
                           </a:r>
                         </a:p>
                         <a:p>
@@ -6253,7 +6592,7 @@
                           </a:r>
                         </a:p>
                       </a:txBody>
-                      <a:tcPr>
+                      <a:tcPr anchor="ctr">
                         <a:lnL w="12700" cmpd="sng">
                           <a:noFill/>
                         </a:lnL>
@@ -6291,7 +6630,13 @@
                             <a:rPr lang="en-US" sz="2800" dirty="0">
                               <a:latin typeface="+mn-lt"/>
                             </a:rPr>
-                            <a:t> 0,2</a:t>
+                            <a:t> </a:t>
+                          </a:r>
+                          <a:r>
+                            <a:rPr lang="en-US" sz="2400" dirty="0">
+                              <a:latin typeface="+mn-lt"/>
+                            </a:rPr>
+                            <a:t>0,2</a:t>
                           </a:r>
                         </a:p>
                         <a:p>
@@ -6321,7 +6666,7 @@
                           </a:r>
                         </a:p>
                       </a:txBody>
-                      <a:tcPr>
+                      <a:tcPr anchor="ctr">
                         <a:solidFill>
                           <a:schemeClr val="accent4">
                             <a:lumMod val="60000"/>
@@ -6353,8 +6698,13 @@
                             <a:defRPr/>
                           </a:pPr>
                           <a:r>
-                            <a:rPr lang="en-US" sz="2800" dirty="0">
+                            <a:rPr lang="en-US" sz="2400" b="1" kern="1200" dirty="0">
+                              <a:solidFill>
+                                <a:schemeClr val="lt1"/>
+                              </a:solidFill>
                               <a:latin typeface="+mn-lt"/>
+                              <a:ea typeface="+mn-ea"/>
+                              <a:cs typeface="+mn-cs"/>
                             </a:rPr>
                             <a:t>   0,3</a:t>
                           </a:r>
@@ -6384,7 +6734,7 @@
                           </a:r>
                         </a:p>
                       </a:txBody>
-                      <a:tcPr>
+                      <a:tcPr anchor="ctr">
                         <a:solidFill>
                           <a:schemeClr val="accent4">
                             <a:lumMod val="60000"/>
@@ -6419,7 +6769,13 @@
                             <a:rPr lang="en-US" sz="2800" dirty="0">
                               <a:latin typeface="+mn-lt"/>
                             </a:rPr>
-                            <a:t> 0,4</a:t>
+                            <a:t> </a:t>
+                          </a:r>
+                          <a:r>
+                            <a:rPr lang="en-US" sz="2400" dirty="0">
+                              <a:latin typeface="+mn-lt"/>
+                            </a:rPr>
+                            <a:t>0,4</a:t>
                           </a:r>
                         </a:p>
                         <a:p>
@@ -6449,7 +6805,7 @@
                           </a:r>
                         </a:p>
                       </a:txBody>
-                      <a:tcPr>
+                      <a:tcPr anchor="ctr">
                         <a:solidFill>
                           <a:schemeClr val="accent4">
                             <a:lumMod val="60000"/>
@@ -6484,7 +6840,13 @@
                             <a:rPr lang="en-US" sz="2800" dirty="0">
                               <a:latin typeface="+mn-lt"/>
                             </a:rPr>
-                            <a:t> 0,5</a:t>
+                            <a:t> </a:t>
+                          </a:r>
+                          <a:r>
+                            <a:rPr lang="en-US" sz="2400" dirty="0">
+                              <a:latin typeface="+mn-lt"/>
+                            </a:rPr>
+                            <a:t>0,5</a:t>
                           </a:r>
                         </a:p>
                         <a:p>
@@ -6514,11 +6876,10 @@
                           </a:r>
                         </a:p>
                       </a:txBody>
-                      <a:tcPr>
+                      <a:tcPr anchor="ctr">
                         <a:solidFill>
                           <a:schemeClr val="accent4">
-                            <a:lumMod val="60000"/>
-                            <a:lumOff val="40000"/>
+                            <a:lumMod val="75000"/>
                           </a:schemeClr>
                         </a:solidFill>
                       </a:tcPr>
@@ -6529,7 +6890,7 @@
                       </a:ext>
                     </a:extLst>
                   </a:tr>
-                  <a:tr h="1111289">
+                  <a:tr h="1097280">
                     <a:tc>
                       <a:txBody>
                         <a:bodyPr/>
@@ -6568,7 +6929,7 @@
                           </a:endParaRPr>
                         </a:p>
                       </a:txBody>
-                      <a:tcPr>
+                      <a:tcPr anchor="ctr">
                         <a:lnT w="38100" cmpd="sng">
                           <a:noFill/>
                         </a:lnT>
@@ -6612,7 +6973,24 @@
                               <a:ea typeface="+mn-ea"/>
                               <a:cs typeface="+mn-cs"/>
                             </a:rPr>
-                            <a:t> 1,1</a:t>
+                            <a:t> </a:t>
+                          </a:r>
+                          <a:r>
+                            <a:rPr kumimoji="0" lang="en-US" sz="2400" b="1" i="0" u="none" strike="noStrike" kern="1200" cap="none" spc="0" normalizeH="0" baseline="0" noProof="0" dirty="0">
+                              <a:ln>
+                                <a:noFill/>
+                              </a:ln>
+                              <a:solidFill>
+                                <a:prstClr val="white"/>
+                              </a:solidFill>
+                              <a:effectLst/>
+                              <a:uLnTx/>
+                              <a:uFillTx/>
+                              <a:latin typeface="Calibri" panose="020F0502020204030204"/>
+                              <a:ea typeface="+mn-ea"/>
+                              <a:cs typeface="+mn-cs"/>
+                            </a:rPr>
+                            <a:t>1,1</a:t>
                           </a:r>
                         </a:p>
                         <a:p>
@@ -6688,7 +7066,7 @@
                           </a:r>
                         </a:p>
                       </a:txBody>
-                      <a:tcPr>
+                      <a:tcPr anchor="ctr">
                         <a:solidFill>
                           <a:schemeClr val="accent4">
                             <a:lumMod val="60000"/>
@@ -6734,7 +7112,24 @@
                               <a:ea typeface="+mn-ea"/>
                               <a:cs typeface="+mn-cs"/>
                             </a:rPr>
-                            <a:t> 1,2</a:t>
+                            <a:t> </a:t>
+                          </a:r>
+                          <a:r>
+                            <a:rPr kumimoji="0" lang="en-US" sz="2400" b="1" i="0" u="none" strike="noStrike" kern="1200" cap="none" spc="0" normalizeH="0" baseline="0" noProof="0" dirty="0">
+                              <a:ln>
+                                <a:noFill/>
+                              </a:ln>
+                              <a:solidFill>
+                                <a:prstClr val="white"/>
+                              </a:solidFill>
+                              <a:effectLst/>
+                              <a:uLnTx/>
+                              <a:uFillTx/>
+                              <a:latin typeface="Calibri" panose="020F0502020204030204"/>
+                              <a:ea typeface="+mn-ea"/>
+                              <a:cs typeface="+mn-cs"/>
+                            </a:rPr>
+                            <a:t>1,2</a:t>
                           </a:r>
                         </a:p>
                         <a:p>
@@ -6810,7 +7205,7 @@
                           </a:r>
                         </a:p>
                       </a:txBody>
-                      <a:tcPr>
+                      <a:tcPr anchor="ctr">
                         <a:solidFill>
                           <a:schemeClr val="tx2">
                             <a:lumMod val="40000"/>
@@ -6827,11 +7222,11 @@
                           <a:endParaRPr lang="en-US"/>
                         </a:p>
                       </a:txBody>
-                      <a:tcPr>
+                      <a:tcPr anchor="ctr">
                         <a:blipFill>
                           <a:blip r:embed="rId2"/>
                           <a:stretch>
-                            <a:fillRect l="-300000" t="-105495" r="-201563" b="-305495"/>
+                            <a:fillRect l="-301111" t="-100556" r="-202222" b="-307778"/>
                           </a:stretch>
                         </a:blipFill>
                       </a:tcPr>
@@ -6844,11 +7239,11 @@
                           <a:endParaRPr lang="en-US"/>
                         </a:p>
                       </a:txBody>
-                      <a:tcPr>
+                      <a:tcPr anchor="ctr">
                         <a:blipFill>
                           <a:blip r:embed="rId2"/>
                           <a:stretch>
-                            <a:fillRect l="-402094" t="-105495" r="-102618" b="-305495"/>
+                            <a:fillRect l="-401111" t="-100556" r="-102222" b="-307778"/>
                           </a:stretch>
                         </a:blipFill>
                       </a:tcPr>
@@ -6861,11 +7256,11 @@
                           <a:endParaRPr lang="en-US"/>
                         </a:p>
                       </a:txBody>
-                      <a:tcPr>
+                      <a:tcPr anchor="ctr">
                         <a:blipFill>
                           <a:blip r:embed="rId2"/>
                           <a:stretch>
-                            <a:fillRect l="-499479" t="-105495" r="-2083" b="-305495"/>
+                            <a:fillRect l="-501111" t="-100556" r="-2222" b="-307778"/>
                           </a:stretch>
                         </a:blipFill>
                       </a:tcPr>
@@ -6876,7 +7271,7 @@
                       </a:ext>
                     </a:extLst>
                   </a:tr>
-                  <a:tr h="1111289">
+                  <a:tr h="1097280">
                     <a:tc>
                       <a:txBody>
                         <a:bodyPr/>
@@ -6915,7 +7310,7 @@
                           </a:endParaRPr>
                         </a:p>
                       </a:txBody>
-                      <a:tcPr>
+                      <a:tcPr anchor="ctr">
                         <a:noFill/>
                       </a:tcPr>
                     </a:tc>
@@ -6927,11 +7322,11 @@
                           <a:endParaRPr lang="en-US"/>
                         </a:p>
                       </a:txBody>
-                      <a:tcPr>
+                      <a:tcPr anchor="ctr">
                         <a:blipFill>
                           <a:blip r:embed="rId2"/>
                           <a:stretch>
-                            <a:fillRect l="-101047" t="-204372" r="-403665" b="-203825"/>
+                            <a:fillRect l="-100556" t="-199448" r="-402778" b="-206077"/>
                           </a:stretch>
                         </a:blipFill>
                       </a:tcPr>
@@ -6959,7 +7354,7 @@
                             <a:defRPr/>
                           </a:pPr>
                           <a:r>
-                            <a:rPr kumimoji="0" lang="en-US" sz="2800" b="1" i="0" u="none" strike="noStrike" kern="1200" cap="none" spc="0" normalizeH="0" baseline="0" noProof="0" dirty="0">
+                            <a:rPr kumimoji="0" lang="en-US" sz="2400" b="1" i="0" u="none" strike="noStrike" kern="1200" cap="none" spc="0" normalizeH="0" baseline="0" noProof="0" dirty="0">
                               <a:ln>
                                 <a:noFill/>
                               </a:ln>
@@ -7049,7 +7444,7 @@
                           </a:r>
                         </a:p>
                       </a:txBody>
-                      <a:tcPr>
+                      <a:tcPr anchor="ctr">
                         <a:solidFill>
                           <a:schemeClr val="accent4">
                             <a:lumMod val="60000"/>
@@ -7095,7 +7490,24 @@
                               <a:ea typeface="+mn-ea"/>
                               <a:cs typeface="+mn-cs"/>
                             </a:rPr>
-                            <a:t> 2,3</a:t>
+                            <a:t> </a:t>
+                          </a:r>
+                          <a:r>
+                            <a:rPr kumimoji="0" lang="en-US" sz="2400" b="1" i="0" u="none" strike="noStrike" kern="1200" cap="none" spc="0" normalizeH="0" baseline="0" noProof="0" dirty="0">
+                              <a:ln>
+                                <a:noFill/>
+                              </a:ln>
+                              <a:solidFill>
+                                <a:prstClr val="white"/>
+                              </a:solidFill>
+                              <a:effectLst/>
+                              <a:uLnTx/>
+                              <a:uFillTx/>
+                              <a:latin typeface="Calibri" panose="020F0502020204030204"/>
+                              <a:ea typeface="+mn-ea"/>
+                              <a:cs typeface="+mn-cs"/>
+                            </a:rPr>
+                            <a:t>2,3</a:t>
                           </a:r>
                         </a:p>
                         <a:p>
@@ -7171,7 +7583,7 @@
                           </a:r>
                         </a:p>
                       </a:txBody>
-                      <a:tcPr>
+                      <a:tcPr anchor="ctr">
                         <a:solidFill>
                           <a:schemeClr val="accent2"/>
                         </a:solidFill>
@@ -7214,7 +7626,24 @@
                               <a:ea typeface="+mn-ea"/>
                               <a:cs typeface="+mn-cs"/>
                             </a:rPr>
-                            <a:t> 2,4</a:t>
+                            <a:t> </a:t>
+                          </a:r>
+                          <a:r>
+                            <a:rPr kumimoji="0" lang="en-US" sz="2400" b="1" i="0" u="none" strike="noStrike" kern="1200" cap="none" spc="0" normalizeH="0" baseline="0" noProof="0" dirty="0">
+                              <a:ln>
+                                <a:noFill/>
+                              </a:ln>
+                              <a:solidFill>
+                                <a:prstClr val="white"/>
+                              </a:solidFill>
+                              <a:effectLst/>
+                              <a:uLnTx/>
+                              <a:uFillTx/>
+                              <a:latin typeface="Calibri" panose="020F0502020204030204"/>
+                              <a:ea typeface="+mn-ea"/>
+                              <a:cs typeface="+mn-cs"/>
+                            </a:rPr>
+                            <a:t>2,4</a:t>
                           </a:r>
                         </a:p>
                         <a:p>
@@ -7290,7 +7719,7 @@
                           </a:r>
                         </a:p>
                       </a:txBody>
-                      <a:tcPr>
+                      <a:tcPr anchor="ctr">
                         <a:solidFill>
                           <a:schemeClr val="bg1">
                             <a:lumMod val="85000"/>
@@ -7321,7 +7750,7 @@
                             <a:defRPr/>
                           </a:pPr>
                           <a:r>
-                            <a:rPr kumimoji="0" lang="en-US" sz="2800" b="1" i="0" u="none" strike="noStrike" kern="1200" cap="none" spc="0" normalizeH="0" baseline="0" noProof="0" dirty="0">
+                            <a:rPr kumimoji="0" lang="en-US" sz="2400" b="1" i="0" u="none" strike="noStrike" kern="1200" cap="none" spc="0" normalizeH="0" baseline="0" noProof="0" dirty="0">
                               <a:ln>
                                 <a:noFill/>
                               </a:ln>
@@ -7411,7 +7840,7 @@
                           </a:r>
                         </a:p>
                       </a:txBody>
-                      <a:tcPr>
+                      <a:tcPr anchor="ctr">
                         <a:solidFill>
                           <a:schemeClr val="accent4">
                             <a:lumMod val="60000"/>
@@ -7426,7 +7855,7 @@
                       </a:ext>
                     </a:extLst>
                   </a:tr>
-                  <a:tr h="1111289">
+                  <a:tr h="1097280">
                     <a:tc>
                       <a:txBody>
                         <a:bodyPr/>
@@ -7465,7 +7894,7 @@
                           </a:endParaRPr>
                         </a:p>
                       </a:txBody>
-                      <a:tcPr>
+                      <a:tcPr anchor="ctr">
                         <a:noFill/>
                       </a:tcPr>
                     </a:tc>
@@ -7506,7 +7935,24 @@
                               <a:ea typeface="+mn-ea"/>
                               <a:cs typeface="+mn-cs"/>
                             </a:rPr>
-                            <a:t> 3,1</a:t>
+                            <a:t> </a:t>
+                          </a:r>
+                          <a:r>
+                            <a:rPr kumimoji="0" lang="en-US" sz="2400" b="1" i="0" u="none" strike="noStrike" kern="1200" cap="none" spc="0" normalizeH="0" baseline="0" noProof="0" dirty="0">
+                              <a:ln>
+                                <a:noFill/>
+                              </a:ln>
+                              <a:solidFill>
+                                <a:prstClr val="white"/>
+                              </a:solidFill>
+                              <a:effectLst/>
+                              <a:uLnTx/>
+                              <a:uFillTx/>
+                              <a:latin typeface="Calibri" panose="020F0502020204030204"/>
+                              <a:ea typeface="+mn-ea"/>
+                              <a:cs typeface="+mn-cs"/>
+                            </a:rPr>
+                            <a:t>3,1</a:t>
                           </a:r>
                         </a:p>
                         <a:p>
@@ -7582,7 +8028,7 @@
                           </a:r>
                         </a:p>
                       </a:txBody>
-                      <a:tcPr>
+                      <a:tcPr anchor="ctr">
                         <a:solidFill>
                           <a:schemeClr val="accent6">
                             <a:lumMod val="60000"/>
@@ -7628,7 +8074,24 @@
                               <a:ea typeface="+mn-ea"/>
                               <a:cs typeface="+mn-cs"/>
                             </a:rPr>
-                            <a:t> 3,2</a:t>
+                            <a:t> </a:t>
+                          </a:r>
+                          <a:r>
+                            <a:rPr kumimoji="0" lang="en-US" sz="2400" b="1" i="0" u="none" strike="noStrike" kern="1200" cap="none" spc="0" normalizeH="0" baseline="0" noProof="0" dirty="0">
+                              <a:ln>
+                                <a:noFill/>
+                              </a:ln>
+                              <a:solidFill>
+                                <a:prstClr val="white"/>
+                              </a:solidFill>
+                              <a:effectLst/>
+                              <a:uLnTx/>
+                              <a:uFillTx/>
+                              <a:latin typeface="Calibri" panose="020F0502020204030204"/>
+                              <a:ea typeface="+mn-ea"/>
+                              <a:cs typeface="+mn-cs"/>
+                            </a:rPr>
+                            <a:t>3,2</a:t>
                           </a:r>
                         </a:p>
                         <a:p>
@@ -7704,7 +8167,7 @@
                           </a:r>
                         </a:p>
                       </a:txBody>
-                      <a:tcPr>
+                      <a:tcPr anchor="ctr">
                         <a:solidFill>
                           <a:schemeClr val="accent2"/>
                         </a:solidFill>
@@ -7747,7 +8210,24 @@
                               <a:ea typeface="+mn-ea"/>
                               <a:cs typeface="+mn-cs"/>
                             </a:rPr>
-                            <a:t> 3,3</a:t>
+                            <a:t> </a:t>
+                          </a:r>
+                          <a:r>
+                            <a:rPr kumimoji="0" lang="en-US" sz="2400" b="1" i="0" u="none" strike="noStrike" kern="1200" cap="none" spc="0" normalizeH="0" baseline="0" noProof="0" dirty="0">
+                              <a:ln>
+                                <a:noFill/>
+                              </a:ln>
+                              <a:solidFill>
+                                <a:prstClr val="white"/>
+                              </a:solidFill>
+                              <a:effectLst/>
+                              <a:uLnTx/>
+                              <a:uFillTx/>
+                              <a:latin typeface="Calibri" panose="020F0502020204030204"/>
+                              <a:ea typeface="+mn-ea"/>
+                              <a:cs typeface="+mn-cs"/>
+                            </a:rPr>
+                            <a:t>3,3</a:t>
                           </a:r>
                         </a:p>
                         <a:p>
@@ -7823,7 +8303,7 @@
                           </a:r>
                         </a:p>
                       </a:txBody>
-                      <a:tcPr>
+                      <a:tcPr anchor="ctr">
                         <a:solidFill>
                           <a:schemeClr val="accent4">
                             <a:lumMod val="60000"/>
@@ -7869,7 +8349,24 @@
                               <a:ea typeface="+mn-ea"/>
                               <a:cs typeface="+mn-cs"/>
                             </a:rPr>
-                            <a:t> 3,4</a:t>
+                            <a:t> </a:t>
+                          </a:r>
+                          <a:r>
+                            <a:rPr kumimoji="0" lang="en-US" sz="2400" b="1" i="0" u="none" strike="noStrike" kern="1200" cap="none" spc="0" normalizeH="0" baseline="0" noProof="0" dirty="0">
+                              <a:ln>
+                                <a:noFill/>
+                              </a:ln>
+                              <a:solidFill>
+                                <a:prstClr val="white"/>
+                              </a:solidFill>
+                              <a:effectLst/>
+                              <a:uLnTx/>
+                              <a:uFillTx/>
+                              <a:latin typeface="Calibri" panose="020F0502020204030204"/>
+                              <a:ea typeface="+mn-ea"/>
+                              <a:cs typeface="+mn-cs"/>
+                            </a:rPr>
+                            <a:t>3,4</a:t>
                           </a:r>
                         </a:p>
                         <a:p>
@@ -7945,9 +8442,9 @@
                           </a:r>
                         </a:p>
                       </a:txBody>
-                      <a:tcPr>
+                      <a:tcPr anchor="ctr">
                         <a:solidFill>
-                          <a:schemeClr val="tx2">
+                          <a:schemeClr val="accent4">
                             <a:lumMod val="75000"/>
                           </a:schemeClr>
                         </a:solidFill>
@@ -7990,7 +8487,24 @@
                               <a:ea typeface="+mn-ea"/>
                               <a:cs typeface="+mn-cs"/>
                             </a:rPr>
-                            <a:t> 3,5</a:t>
+                            <a:t> </a:t>
+                          </a:r>
+                          <a:r>
+                            <a:rPr kumimoji="0" lang="en-US" sz="2400" b="1" i="0" u="none" strike="noStrike" kern="1200" cap="none" spc="0" normalizeH="0" baseline="0" noProof="0" dirty="0">
+                              <a:ln>
+                                <a:noFill/>
+                              </a:ln>
+                              <a:solidFill>
+                                <a:prstClr val="white"/>
+                              </a:solidFill>
+                              <a:effectLst/>
+                              <a:uLnTx/>
+                              <a:uFillTx/>
+                              <a:latin typeface="Calibri" panose="020F0502020204030204"/>
+                              <a:ea typeface="+mn-ea"/>
+                              <a:cs typeface="+mn-cs"/>
+                            </a:rPr>
+                            <a:t>3,5</a:t>
                           </a:r>
                         </a:p>
                         <a:p>
@@ -8026,7 +8540,7 @@
                               <a:ea typeface="+mn-ea"/>
                               <a:cs typeface="Times New Roman" panose="02020603050405020304" pitchFamily="18" charset="0"/>
                             </a:rPr>
-                            <a:t>5.84</a:t>
+                            <a:t>5.83</a:t>
                           </a:r>
                         </a:p>
                         <a:p>
@@ -8066,7 +8580,7 @@
                           </a:r>
                         </a:p>
                       </a:txBody>
-                      <a:tcPr>
+                      <a:tcPr anchor="ctr">
                         <a:solidFill>
                           <a:schemeClr val="accent4">
                             <a:lumMod val="60000"/>
@@ -8081,7 +8595,7 @@
                       </a:ext>
                     </a:extLst>
                   </a:tr>
-                  <a:tr h="1111289">
+                  <a:tr h="1097280">
                     <a:tc>
                       <a:txBody>
                         <a:bodyPr/>
@@ -8120,7 +8634,7 @@
                           </a:endParaRPr>
                         </a:p>
                       </a:txBody>
-                      <a:tcPr>
+                      <a:tcPr anchor="ctr">
                         <a:noFill/>
                       </a:tcPr>
                     </a:tc>
@@ -8161,7 +8675,24 @@
                               <a:ea typeface="+mn-ea"/>
                               <a:cs typeface="+mn-cs"/>
                             </a:rPr>
-                            <a:t> 4,1</a:t>
+                            <a:t> </a:t>
+                          </a:r>
+                          <a:r>
+                            <a:rPr kumimoji="0" lang="en-US" sz="2400" b="1" i="0" u="none" strike="noStrike" kern="1200" cap="none" spc="0" normalizeH="0" baseline="0" noProof="0" dirty="0">
+                              <a:ln>
+                                <a:noFill/>
+                              </a:ln>
+                              <a:solidFill>
+                                <a:prstClr val="white"/>
+                              </a:solidFill>
+                              <a:effectLst/>
+                              <a:uLnTx/>
+                              <a:uFillTx/>
+                              <a:latin typeface="Calibri" panose="020F0502020204030204"/>
+                              <a:ea typeface="+mn-ea"/>
+                              <a:cs typeface="+mn-cs"/>
+                            </a:rPr>
+                            <a:t>4,1</a:t>
                           </a:r>
                         </a:p>
                         <a:p>
@@ -8237,7 +8768,281 @@
                           </a:r>
                         </a:p>
                       </a:txBody>
-                      <a:tcPr>
+                      <a:tcPr anchor="ctr">
+                        <a:solidFill>
+                          <a:schemeClr val="accent5">
+                            <a:lumMod val="75000"/>
+                          </a:schemeClr>
+                        </a:solidFill>
+                      </a:tcPr>
+                    </a:tc>
+                    <a:tc>
+                      <a:txBody>
+                        <a:bodyPr/>
+                        <a:lstStyle/>
+                        <a:p>
+                          <a:pPr marL="0" marR="0" lvl="0" indent="0" algn="ctr" defTabSz="914400" rtl="0" eaLnBrk="1" fontAlgn="auto" latinLnBrk="0" hangingPunct="1">
+                            <a:lnSpc>
+                              <a:spcPct val="100000"/>
+                            </a:lnSpc>
+                            <a:spcBef>
+                              <a:spcPts val="0"/>
+                            </a:spcBef>
+                            <a:spcAft>
+                              <a:spcPts val="0"/>
+                            </a:spcAft>
+                            <a:buClrTx/>
+                            <a:buSzTx/>
+                            <a:buFontTx/>
+                            <a:buNone/>
+                            <a:tabLst/>
+                            <a:defRPr/>
+                          </a:pPr>
+                          <a:r>
+                            <a:rPr kumimoji="0" lang="en-US" sz="2800" b="1" i="0" u="none" strike="noStrike" kern="1200" cap="none" spc="0" normalizeH="0" baseline="0" noProof="0" dirty="0">
+                              <a:ln>
+                                <a:noFill/>
+                              </a:ln>
+                              <a:solidFill>
+                                <a:prstClr val="white"/>
+                              </a:solidFill>
+                              <a:effectLst/>
+                              <a:uLnTx/>
+                              <a:uFillTx/>
+                              <a:latin typeface="Calibri" panose="020F0502020204030204"/>
+                              <a:ea typeface="+mn-ea"/>
+                              <a:cs typeface="+mn-cs"/>
+                            </a:rPr>
+                            <a:t> </a:t>
+                          </a:r>
+                          <a:r>
+                            <a:rPr kumimoji="0" lang="en-US" sz="2400" b="1" i="0" u="none" strike="noStrike" kern="1200" cap="none" spc="0" normalizeH="0" baseline="0" noProof="0" dirty="0">
+                              <a:ln>
+                                <a:noFill/>
+                              </a:ln>
+                              <a:solidFill>
+                                <a:prstClr val="white"/>
+                              </a:solidFill>
+                              <a:effectLst/>
+                              <a:uLnTx/>
+                              <a:uFillTx/>
+                              <a:latin typeface="Calibri" panose="020F0502020204030204"/>
+                              <a:ea typeface="+mn-ea"/>
+                              <a:cs typeface="+mn-cs"/>
+                            </a:rPr>
+                            <a:t>4,2</a:t>
+                          </a:r>
+                        </a:p>
+                        <a:p>
+                          <a:pPr marL="0" marR="0" lvl="0" indent="0" algn="ctr" defTabSz="914400" rtl="0" eaLnBrk="1" fontAlgn="auto" latinLnBrk="0" hangingPunct="1">
+                            <a:lnSpc>
+                              <a:spcPct val="100000"/>
+                            </a:lnSpc>
+                            <a:spcBef>
+                              <a:spcPts val="0"/>
+                            </a:spcBef>
+                            <a:spcAft>
+                              <a:spcPts val="0"/>
+                            </a:spcAft>
+                            <a:buClrTx/>
+                            <a:buSzTx/>
+                            <a:buFontTx/>
+                            <a:buNone/>
+                            <a:tabLst/>
+                            <a:defRPr/>
+                          </a:pPr>
+                          <a:r>
+                            <a:rPr kumimoji="0" lang="en-US" sz="1800" b="1" i="0" u="none" strike="noStrike" kern="1200" cap="none" spc="0" normalizeH="0" baseline="0" noProof="0" dirty="0">
+                              <a:ln>
+                                <a:noFill/>
+                              </a:ln>
+                              <a:solidFill>
+                                <a:schemeClr val="tx1"/>
+                              </a:solidFill>
+                              <a:effectLst/>
+                              <a:uLnTx/>
+                              <a:uFillTx/>
+                              <a:latin typeface="Times New Roman" panose="02020603050405020304" pitchFamily="18" charset="0"/>
+                              <a:ea typeface="+mn-ea"/>
+                              <a:cs typeface="Times New Roman" panose="02020603050405020304" pitchFamily="18" charset="0"/>
+                            </a:rPr>
+                            <a:t>4.47</a:t>
+                          </a:r>
+                        </a:p>
+                        <a:p>
+                          <a:pPr marL="0" marR="0" lvl="0" indent="0" algn="ctr" defTabSz="914400" rtl="0" eaLnBrk="1" fontAlgn="auto" latinLnBrk="0" hangingPunct="1">
+                            <a:lnSpc>
+                              <a:spcPct val="100000"/>
+                            </a:lnSpc>
+                            <a:spcBef>
+                              <a:spcPts val="0"/>
+                            </a:spcBef>
+                            <a:spcAft>
+                              <a:spcPts val="0"/>
+                            </a:spcAft>
+                            <a:buClrTx/>
+                            <a:buSzTx/>
+                            <a:buFontTx/>
+                            <a:buNone/>
+                            <a:tabLst/>
+                            <a:defRPr/>
+                          </a:pPr>
+                          <a:r>
+                            <a:rPr kumimoji="0" lang="en-US" sz="1800" b="1" i="0" u="none" strike="noStrike" kern="1200" cap="none" spc="0" normalizeH="0" baseline="0" noProof="0" dirty="0">
+                              <a:ln>
+                                <a:noFill/>
+                              </a:ln>
+                              <a:solidFill>
+                                <a:srgbClr val="FF0000"/>
+                              </a:solidFill>
+                              <a:effectLst/>
+                              <a:uLnTx/>
+                              <a:uFillTx/>
+                              <a:latin typeface="Times New Roman" panose="02020603050405020304" pitchFamily="18" charset="0"/>
+                              <a:ea typeface="+mn-ea"/>
+                              <a:cs typeface="Times New Roman" panose="02020603050405020304" pitchFamily="18" charset="0"/>
+                            </a:rPr>
+                            <a:t>22</a:t>
+                          </a:r>
+                        </a:p>
+                      </a:txBody>
+                      <a:tcPr anchor="ctr">
+                        <a:solidFill>
+                          <a:schemeClr val="bg2"/>
+                        </a:solidFill>
+                      </a:tcPr>
+                    </a:tc>
+                    <a:tc>
+                      <a:txBody>
+                        <a:bodyPr/>
+                        <a:lstStyle/>
+                        <a:p>
+                          <a:pPr marL="0" marR="0" lvl="0" indent="0" algn="ctr" defTabSz="914400" rtl="0" eaLnBrk="1" fontAlgn="auto" latinLnBrk="0" hangingPunct="1">
+                            <a:lnSpc>
+                              <a:spcPct val="100000"/>
+                            </a:lnSpc>
+                            <a:spcBef>
+                              <a:spcPts val="0"/>
+                            </a:spcBef>
+                            <a:spcAft>
+                              <a:spcPts val="0"/>
+                            </a:spcAft>
+                            <a:buClrTx/>
+                            <a:buSzTx/>
+                            <a:buFontTx/>
+                            <a:buNone/>
+                            <a:tabLst/>
+                            <a:defRPr/>
+                          </a:pPr>
+                          <a:r>
+                            <a:rPr kumimoji="0" lang="en-US" sz="2800" b="1" i="0" u="none" strike="noStrike" kern="1200" cap="none" spc="0" normalizeH="0" baseline="0" noProof="0" dirty="0">
+                              <a:ln>
+                                <a:noFill/>
+                              </a:ln>
+                              <a:solidFill>
+                                <a:prstClr val="white"/>
+                              </a:solidFill>
+                              <a:effectLst/>
+                              <a:uLnTx/>
+                              <a:uFillTx/>
+                              <a:latin typeface="Calibri" panose="020F0502020204030204"/>
+                              <a:ea typeface="+mn-ea"/>
+                              <a:cs typeface="+mn-cs"/>
+                            </a:rPr>
+                            <a:t> </a:t>
+                          </a:r>
+                          <a:r>
+                            <a:rPr kumimoji="0" lang="en-US" sz="2400" b="1" i="0" u="none" strike="noStrike" kern="1200" cap="none" spc="0" normalizeH="0" baseline="0" noProof="0" dirty="0">
+                              <a:ln>
+                                <a:noFill/>
+                              </a:ln>
+                              <a:solidFill>
+                                <a:prstClr val="white"/>
+                              </a:solidFill>
+                              <a:effectLst/>
+                              <a:uLnTx/>
+                              <a:uFillTx/>
+                              <a:latin typeface="Calibri" panose="020F0502020204030204"/>
+                              <a:ea typeface="+mn-ea"/>
+                              <a:cs typeface="+mn-cs"/>
+                            </a:rPr>
+                            <a:t>4,3</a:t>
+                          </a:r>
+                        </a:p>
+                        <a:p>
+                          <a:pPr marL="0" marR="0" lvl="0" indent="0" algn="ctr" defTabSz="914400" rtl="0" eaLnBrk="1" fontAlgn="auto" latinLnBrk="0" hangingPunct="1">
+                            <a:lnSpc>
+                              <a:spcPct val="100000"/>
+                            </a:lnSpc>
+                            <a:spcBef>
+                              <a:spcPts val="0"/>
+                            </a:spcBef>
+                            <a:spcAft>
+                              <a:spcPts val="0"/>
+                            </a:spcAft>
+                            <a:buClrTx/>
+                            <a:buSzTx/>
+                            <a:buFontTx/>
+                            <a:buNone/>
+                            <a:tabLst/>
+                            <a:defRPr/>
+                          </a:pPr>
+                          <a:r>
+                            <a:rPr kumimoji="0" lang="en-US" sz="1800" b="1" i="0" u="none" strike="noStrike" kern="1200" cap="none" spc="0" normalizeH="0" baseline="0" noProof="0" dirty="0">
+                              <a:ln>
+                                <a:noFill/>
+                              </a:ln>
+                              <a:solidFill>
+                                <a:schemeClr val="tx1"/>
+                              </a:solidFill>
+                              <a:effectLst/>
+                              <a:uLnTx/>
+                              <a:uFillTx/>
+                              <a:latin typeface="Times New Roman" panose="02020603050405020304" pitchFamily="18" charset="0"/>
+                              <a:ea typeface="+mn-ea"/>
+                              <a:cs typeface="Times New Roman" panose="02020603050405020304" pitchFamily="18" charset="0"/>
+                            </a:rPr>
+                            <a:t>5</a:t>
+                          </a:r>
+                        </a:p>
+                        <a:p>
+                          <a:pPr marL="0" marR="0" lvl="0" indent="0" algn="ctr" defTabSz="914400" rtl="0" eaLnBrk="1" fontAlgn="auto" latinLnBrk="0" hangingPunct="1">
+                            <a:lnSpc>
+                              <a:spcPct val="100000"/>
+                            </a:lnSpc>
+                            <a:spcBef>
+                              <a:spcPts val="0"/>
+                            </a:spcBef>
+                            <a:spcAft>
+                              <a:spcPts val="0"/>
+                            </a:spcAft>
+                            <a:buClrTx/>
+                            <a:buSzTx/>
+                            <a:buFontTx/>
+                            <a:buNone/>
+                            <a:tabLst/>
+                            <a:defRPr/>
+                          </a:pPr>
+                          <a:r>
+                            <a:rPr kumimoji="0" lang="en-US" sz="1800" b="1" i="0" u="none" strike="noStrike" kern="1200" cap="none" spc="0" normalizeH="0" baseline="0" noProof="0" dirty="0">
+                              <a:ln>
+                                <a:noFill/>
+                              </a:ln>
+                              <a:solidFill>
+                                <a:srgbClr val="FF0000"/>
+                              </a:solidFill>
+                              <a:effectLst/>
+                              <a:uLnTx/>
+                              <a:uFillTx/>
+                              <a:latin typeface="Times New Roman" panose="02020603050405020304" pitchFamily="18" charset="0"/>
+                              <a:ea typeface="+mn-ea"/>
+                              <a:cs typeface="Times New Roman" panose="02020603050405020304" pitchFamily="18" charset="0"/>
+                            </a:rPr>
+                            <a:t>23</a:t>
+                          </a:r>
+                        </a:p>
+                      </a:txBody>
+                      <a:tcPr anchor="ctr">
                         <a:solidFill>
                           <a:schemeClr val="accent4">
                             <a:lumMod val="75000"/>
@@ -8282,7 +9087,24 @@
                               <a:ea typeface="+mn-ea"/>
                               <a:cs typeface="+mn-cs"/>
                             </a:rPr>
-                            <a:t> 4,2</a:t>
+                            <a:t> </a:t>
+                          </a:r>
+                          <a:r>
+                            <a:rPr kumimoji="0" lang="en-US" sz="2400" b="1" i="0" u="none" strike="noStrike" kern="1200" cap="none" spc="0" normalizeH="0" baseline="0" noProof="0" dirty="0">
+                              <a:ln>
+                                <a:noFill/>
+                              </a:ln>
+                              <a:solidFill>
+                                <a:prstClr val="white"/>
+                              </a:solidFill>
+                              <a:effectLst/>
+                              <a:uLnTx/>
+                              <a:uFillTx/>
+                              <a:latin typeface="Calibri" panose="020F0502020204030204"/>
+                              <a:ea typeface="+mn-ea"/>
+                              <a:cs typeface="+mn-cs"/>
+                            </a:rPr>
+                            <a:t>4,4</a:t>
                           </a:r>
                         </a:p>
                         <a:p>
@@ -8318,7 +9140,7 @@
                               <a:ea typeface="+mn-ea"/>
                               <a:cs typeface="Times New Roman" panose="02020603050405020304" pitchFamily="18" charset="0"/>
                             </a:rPr>
-                            <a:t>4.47</a:t>
+                            <a:t>5.66</a:t>
                           </a:r>
                         </a:p>
                         <a:p>
@@ -8354,251 +9176,11 @@
                               <a:ea typeface="+mn-ea"/>
                               <a:cs typeface="Times New Roman" panose="02020603050405020304" pitchFamily="18" charset="0"/>
                             </a:rPr>
-                            <a:t>22</a:t>
+                            <a:t>24</a:t>
                           </a:r>
                         </a:p>
                       </a:txBody>
-                      <a:tcPr>
-                        <a:solidFill>
-                          <a:schemeClr val="bg2"/>
-                        </a:solidFill>
-                      </a:tcPr>
-                    </a:tc>
-                    <a:tc>
-                      <a:txBody>
-                        <a:bodyPr/>
-                        <a:lstStyle/>
-                        <a:p>
-                          <a:pPr marL="0" marR="0" lvl="0" indent="0" algn="ctr" defTabSz="914400" rtl="0" eaLnBrk="1" fontAlgn="auto" latinLnBrk="0" hangingPunct="1">
-                            <a:lnSpc>
-                              <a:spcPct val="100000"/>
-                            </a:lnSpc>
-                            <a:spcBef>
-                              <a:spcPts val="0"/>
-                            </a:spcBef>
-                            <a:spcAft>
-                              <a:spcPts val="0"/>
-                            </a:spcAft>
-                            <a:buClrTx/>
-                            <a:buSzTx/>
-                            <a:buFontTx/>
-                            <a:buNone/>
-                            <a:tabLst/>
-                            <a:defRPr/>
-                          </a:pPr>
-                          <a:r>
-                            <a:rPr kumimoji="0" lang="en-US" sz="2800" b="1" i="0" u="none" strike="noStrike" kern="1200" cap="none" spc="0" normalizeH="0" baseline="0" noProof="0" dirty="0">
-                              <a:ln>
-                                <a:noFill/>
-                              </a:ln>
-                              <a:solidFill>
-                                <a:prstClr val="white"/>
-                              </a:solidFill>
-                              <a:effectLst/>
-                              <a:uLnTx/>
-                              <a:uFillTx/>
-                              <a:latin typeface="Calibri" panose="020F0502020204030204"/>
-                              <a:ea typeface="+mn-ea"/>
-                              <a:cs typeface="+mn-cs"/>
-                            </a:rPr>
-                            <a:t> 4,3</a:t>
-                          </a:r>
-                        </a:p>
-                        <a:p>
-                          <a:pPr marL="0" marR="0" lvl="0" indent="0" algn="ctr" defTabSz="914400" rtl="0" eaLnBrk="1" fontAlgn="auto" latinLnBrk="0" hangingPunct="1">
-                            <a:lnSpc>
-                              <a:spcPct val="100000"/>
-                            </a:lnSpc>
-                            <a:spcBef>
-                              <a:spcPts val="0"/>
-                            </a:spcBef>
-                            <a:spcAft>
-                              <a:spcPts val="0"/>
-                            </a:spcAft>
-                            <a:buClrTx/>
-                            <a:buSzTx/>
-                            <a:buFontTx/>
-                            <a:buNone/>
-                            <a:tabLst/>
-                            <a:defRPr/>
-                          </a:pPr>
-                          <a:r>
-                            <a:rPr kumimoji="0" lang="en-US" sz="1800" b="1" i="0" u="none" strike="noStrike" kern="1200" cap="none" spc="0" normalizeH="0" baseline="0" noProof="0" dirty="0">
-                              <a:ln>
-                                <a:noFill/>
-                              </a:ln>
-                              <a:solidFill>
-                                <a:schemeClr val="tx1"/>
-                              </a:solidFill>
-                              <a:effectLst/>
-                              <a:uLnTx/>
-                              <a:uFillTx/>
-                              <a:latin typeface="Times New Roman" panose="02020603050405020304" pitchFamily="18" charset="0"/>
-                              <a:ea typeface="+mn-ea"/>
-                              <a:cs typeface="Times New Roman" panose="02020603050405020304" pitchFamily="18" charset="0"/>
-                            </a:rPr>
-                            <a:t>5</a:t>
-                          </a:r>
-                        </a:p>
-                        <a:p>
-                          <a:pPr marL="0" marR="0" lvl="0" indent="0" algn="ctr" defTabSz="914400" rtl="0" eaLnBrk="1" fontAlgn="auto" latinLnBrk="0" hangingPunct="1">
-                            <a:lnSpc>
-                              <a:spcPct val="100000"/>
-                            </a:lnSpc>
-                            <a:spcBef>
-                              <a:spcPts val="0"/>
-                            </a:spcBef>
-                            <a:spcAft>
-                              <a:spcPts val="0"/>
-                            </a:spcAft>
-                            <a:buClrTx/>
-                            <a:buSzTx/>
-                            <a:buFontTx/>
-                            <a:buNone/>
-                            <a:tabLst/>
-                            <a:defRPr/>
-                          </a:pPr>
-                          <a:r>
-                            <a:rPr kumimoji="0" lang="en-US" sz="1800" b="1" i="0" u="none" strike="noStrike" kern="1200" cap="none" spc="0" normalizeH="0" baseline="0" noProof="0" dirty="0">
-                              <a:ln>
-                                <a:noFill/>
-                              </a:ln>
-                              <a:solidFill>
-                                <a:srgbClr val="FF0000"/>
-                              </a:solidFill>
-                              <a:effectLst/>
-                              <a:uLnTx/>
-                              <a:uFillTx/>
-                              <a:latin typeface="Times New Roman" panose="02020603050405020304" pitchFamily="18" charset="0"/>
-                              <a:ea typeface="+mn-ea"/>
-                              <a:cs typeface="Times New Roman" panose="02020603050405020304" pitchFamily="18" charset="0"/>
-                            </a:rPr>
-                            <a:t>23</a:t>
-                          </a:r>
-                        </a:p>
-                      </a:txBody>
-                      <a:tcPr>
-                        <a:solidFill>
-                          <a:schemeClr val="tx2">
-                            <a:lumMod val="75000"/>
-                          </a:schemeClr>
-                        </a:solidFill>
-                      </a:tcPr>
-                    </a:tc>
-                    <a:tc>
-                      <a:txBody>
-                        <a:bodyPr/>
-                        <a:lstStyle/>
-                        <a:p>
-                          <a:pPr marL="0" marR="0" lvl="0" indent="0" algn="ctr" defTabSz="914400" rtl="0" eaLnBrk="1" fontAlgn="auto" latinLnBrk="0" hangingPunct="1">
-                            <a:lnSpc>
-                              <a:spcPct val="100000"/>
-                            </a:lnSpc>
-                            <a:spcBef>
-                              <a:spcPts val="0"/>
-                            </a:spcBef>
-                            <a:spcAft>
-                              <a:spcPts val="0"/>
-                            </a:spcAft>
-                            <a:buClrTx/>
-                            <a:buSzTx/>
-                            <a:buFontTx/>
-                            <a:buNone/>
-                            <a:tabLst/>
-                            <a:defRPr/>
-                          </a:pPr>
-                          <a:r>
-                            <a:rPr kumimoji="0" lang="en-US" sz="2800" b="1" i="0" u="none" strike="noStrike" kern="1200" cap="none" spc="0" normalizeH="0" baseline="0" noProof="0" dirty="0">
-                              <a:ln>
-                                <a:noFill/>
-                              </a:ln>
-                              <a:solidFill>
-                                <a:prstClr val="white"/>
-                              </a:solidFill>
-                              <a:effectLst/>
-                              <a:uLnTx/>
-                              <a:uFillTx/>
-                              <a:latin typeface="Calibri" panose="020F0502020204030204"/>
-                              <a:ea typeface="+mn-ea"/>
-                              <a:cs typeface="+mn-cs"/>
-                            </a:rPr>
-                            <a:t> 4,4</a:t>
-                          </a:r>
-                        </a:p>
-                        <a:p>
-                          <a:pPr marL="0" marR="0" lvl="0" indent="0" algn="ctr" defTabSz="914400" rtl="0" eaLnBrk="1" fontAlgn="auto" latinLnBrk="0" hangingPunct="1">
-                            <a:lnSpc>
-                              <a:spcPct val="100000"/>
-                            </a:lnSpc>
-                            <a:spcBef>
-                              <a:spcPts val="0"/>
-                            </a:spcBef>
-                            <a:spcAft>
-                              <a:spcPts val="0"/>
-                            </a:spcAft>
-                            <a:buClrTx/>
-                            <a:buSzTx/>
-                            <a:buFontTx/>
-                            <a:buNone/>
-                            <a:tabLst/>
-                            <a:defRPr/>
-                          </a:pPr>
-                          <a:r>
-                            <a:rPr kumimoji="0" lang="en-US" sz="1800" b="1" i="0" u="none" strike="noStrike" kern="1200" cap="none" spc="0" normalizeH="0" baseline="0" noProof="0" dirty="0">
-                              <a:ln>
-                                <a:noFill/>
-                              </a:ln>
-                              <a:solidFill>
-                                <a:schemeClr val="tx1"/>
-                              </a:solidFill>
-                              <a:effectLst/>
-                              <a:uLnTx/>
-                              <a:uFillTx/>
-                              <a:latin typeface="Times New Roman" panose="02020603050405020304" pitchFamily="18" charset="0"/>
-                              <a:ea typeface="+mn-ea"/>
-                              <a:cs typeface="Times New Roman" panose="02020603050405020304" pitchFamily="18" charset="0"/>
-                            </a:rPr>
-                            <a:t>5.66</a:t>
-                          </a:r>
-                        </a:p>
-                        <a:p>
-                          <a:pPr marL="0" marR="0" lvl="0" indent="0" algn="ctr" defTabSz="914400" rtl="0" eaLnBrk="1" fontAlgn="auto" latinLnBrk="0" hangingPunct="1">
-                            <a:lnSpc>
-                              <a:spcPct val="100000"/>
-                            </a:lnSpc>
-                            <a:spcBef>
-                              <a:spcPts val="0"/>
-                            </a:spcBef>
-                            <a:spcAft>
-                              <a:spcPts val="0"/>
-                            </a:spcAft>
-                            <a:buClrTx/>
-                            <a:buSzTx/>
-                            <a:buFontTx/>
-                            <a:buNone/>
-                            <a:tabLst/>
-                            <a:defRPr/>
-                          </a:pPr>
-                          <a:r>
-                            <a:rPr kumimoji="0" lang="en-US" sz="1800" b="1" i="0" u="none" strike="noStrike" kern="1200" cap="none" spc="0" normalizeH="0" baseline="0" noProof="0" dirty="0">
-                              <a:ln>
-                                <a:noFill/>
-                              </a:ln>
-                              <a:solidFill>
-                                <a:srgbClr val="FF0000"/>
-                              </a:solidFill>
-                              <a:effectLst/>
-                              <a:uLnTx/>
-                              <a:uFillTx/>
-                              <a:latin typeface="Times New Roman" panose="02020603050405020304" pitchFamily="18" charset="0"/>
-                              <a:ea typeface="+mn-ea"/>
-                              <a:cs typeface="Times New Roman" panose="02020603050405020304" pitchFamily="18" charset="0"/>
-                            </a:rPr>
-                            <a:t>24</a:t>
-                          </a:r>
-                        </a:p>
-                      </a:txBody>
-                      <a:tcPr>
+                      <a:tcPr anchor="ctr">
                         <a:solidFill>
                           <a:schemeClr val="accent4">
                             <a:lumMod val="60000"/>
@@ -8644,7 +9226,24 @@
                               <a:ea typeface="+mn-ea"/>
                               <a:cs typeface="+mn-cs"/>
                             </a:rPr>
-                            <a:t> 4,5</a:t>
+                            <a:t> </a:t>
+                          </a:r>
+                          <a:r>
+                            <a:rPr kumimoji="0" lang="en-US" sz="2400" b="1" i="0" u="none" strike="noStrike" kern="1200" cap="none" spc="0" normalizeH="0" baseline="0" noProof="0" dirty="0">
+                              <a:ln>
+                                <a:noFill/>
+                              </a:ln>
+                              <a:solidFill>
+                                <a:prstClr val="white"/>
+                              </a:solidFill>
+                              <a:effectLst/>
+                              <a:uLnTx/>
+                              <a:uFillTx/>
+                              <a:latin typeface="Calibri" panose="020F0502020204030204"/>
+                              <a:ea typeface="+mn-ea"/>
+                              <a:cs typeface="+mn-cs"/>
+                            </a:rPr>
+                            <a:t>4,5</a:t>
                           </a:r>
                         </a:p>
                         <a:p>
@@ -8720,7 +9319,7 @@
                           </a:r>
                         </a:p>
                       </a:txBody>
-                      <a:tcPr>
+                      <a:tcPr anchor="ctr">
                         <a:solidFill>
                           <a:schemeClr val="accent4">
                             <a:lumMod val="60000"/>
@@ -8744,7 +9343,7 @@
     </p:spTree>
     <p:extLst>
       <p:ext uri="{BB962C8B-B14F-4D97-AF65-F5344CB8AC3E}">
-        <p14:creationId xmlns:p14="http://schemas.microsoft.com/office/powerpoint/2010/main" val="3445167048"/>
+        <p14:creationId xmlns:p14="http://schemas.microsoft.com/office/powerpoint/2010/main" val="510573907"/>
       </p:ext>
     </p:extLst>
   </p:cSld>
@@ -8755,7 +9354,7 @@
 </file>
 
 <file path=ppt/theme/theme1.xml><?xml version="1.0" encoding="utf-8"?>
-<a:theme xmlns:a="http://schemas.openxmlformats.org/drawingml/2006/main" name="Office Theme">
+<a:theme xmlns:a="http://schemas.openxmlformats.org/drawingml/2006/main" name="Office 主题​​">
   <a:themeElements>
     <a:clrScheme name="Office">
       <a:dk1>

--- a/grid.pptx
+++ b/grid.pptx
@@ -104,6 +104,11 @@
       </a:defRPr>
     </a:lvl9pPr>
   </p:defaultTextStyle>
+  <p:extLst>
+    <p:ext uri="{EFAFB233-063F-42B5-8137-9DF3F51BA10A}">
+      <p15:sldGuideLst xmlns:p15="http://schemas.microsoft.com/office/powerpoint/2012/main"/>
+    </p:ext>
+  </p:extLst>
 </p:presentation>
 </file>
 
@@ -2975,7 +2980,7 @@
               <p:nvPr>
                 <p:extLst>
                   <p:ext uri="{D42A27DB-BD31-4B8C-83A1-F6EECF244321}">
-                    <p14:modId xmlns:p14="http://schemas.microsoft.com/office/powerpoint/2010/main" val="2512188551"/>
+                    <p14:modId xmlns:p14="http://schemas.microsoft.com/office/powerpoint/2010/main" val="1414143669"/>
                   </p:ext>
                 </p:extLst>
               </p:nvPr>
@@ -3107,7 +3112,7 @@
                               <a:latin typeface="Times New Roman" panose="02020603050405020304" pitchFamily="18" charset="0"/>
                               <a:cs typeface="Times New Roman" panose="02020603050405020304" pitchFamily="18" charset="0"/>
                             </a:rPr>
-                            <a:t>1</a:t>
+                            <a:t>1.00</a:t>
                           </a:r>
                         </a:p>
                         <a:p>
@@ -3181,7 +3186,7 @@
                               <a:latin typeface="Times New Roman" panose="02020603050405020304" pitchFamily="18" charset="0"/>
                               <a:cs typeface="Times New Roman" panose="02020603050405020304" pitchFamily="18" charset="0"/>
                             </a:rPr>
-                            <a:t>2</a:t>
+                            <a:t>2.00</a:t>
                           </a:r>
                         </a:p>
                         <a:p>
@@ -3238,7 +3243,7 @@
                               <a:ea typeface="+mn-ea"/>
                               <a:cs typeface="+mn-cs"/>
                             </a:rPr>
-                            <a:t>   0,3</a:t>
+                            <a:t>  0,3</a:t>
                           </a:r>
                         </a:p>
                         <a:p>
@@ -3250,7 +3255,7 @@
                               </a:solidFill>
                               <a:latin typeface="+mn-lt"/>
                             </a:rPr>
-                            <a:t>3</a:t>
+                            <a:t>3.00</a:t>
                           </a:r>
                         </a:p>
                         <a:p>
@@ -3320,7 +3325,7 @@
                               <a:latin typeface="Times New Roman" panose="02020603050405020304" pitchFamily="18" charset="0"/>
                               <a:cs typeface="Times New Roman" panose="02020603050405020304" pitchFamily="18" charset="0"/>
                             </a:rPr>
-                            <a:t>4</a:t>
+                            <a:t>4.00</a:t>
                           </a:r>
                         </a:p>
                         <a:p>
@@ -3391,7 +3396,7 @@
                               <a:latin typeface="Times New Roman" panose="02020603050405020304" pitchFamily="18" charset="0"/>
                               <a:cs typeface="Times New Roman" panose="02020603050405020304" pitchFamily="18" charset="0"/>
                             </a:rPr>
-                            <a:t>5</a:t>
+                            <a:t>5.00</a:t>
                           </a:r>
                         </a:p>
                         <a:p>
@@ -5496,7 +5501,7 @@
                               <a:ea typeface="+mn-ea"/>
                               <a:cs typeface="Times New Roman" panose="02020603050405020304" pitchFamily="18" charset="0"/>
                             </a:rPr>
-                            <a:t>5</a:t>
+                            <a:t>5.00</a:t>
                           </a:r>
                         </a:p>
                         <a:p>
@@ -6096,7 +6101,7 @@
                               <a:ea typeface="+mn-ea"/>
                               <a:cs typeface="Times New Roman" panose="02020603050405020304" pitchFamily="18" charset="0"/>
                             </a:rPr>
-                            <a:t>5</a:t>
+                            <a:t>5.00</a:t>
                           </a:r>
                         </a:p>
                         <a:p>
@@ -6443,7 +6448,7 @@
               <p:nvPr>
                 <p:extLst>
                   <p:ext uri="{D42A27DB-BD31-4B8C-83A1-F6EECF244321}">
-                    <p14:modId xmlns:p14="http://schemas.microsoft.com/office/powerpoint/2010/main" val="2512188551"/>
+                    <p14:modId xmlns:p14="http://schemas.microsoft.com/office/powerpoint/2010/main" val="1414143669"/>
                   </p:ext>
                 </p:extLst>
               </p:nvPr>
@@ -6575,7 +6580,7 @@
                               <a:latin typeface="Times New Roman" panose="02020603050405020304" pitchFamily="18" charset="0"/>
                               <a:cs typeface="Times New Roman" panose="02020603050405020304" pitchFamily="18" charset="0"/>
                             </a:rPr>
-                            <a:t>1</a:t>
+                            <a:t>1.00</a:t>
                           </a:r>
                         </a:p>
                         <a:p>
@@ -6649,7 +6654,7 @@
                               <a:latin typeface="Times New Roman" panose="02020603050405020304" pitchFamily="18" charset="0"/>
                               <a:cs typeface="Times New Roman" panose="02020603050405020304" pitchFamily="18" charset="0"/>
                             </a:rPr>
-                            <a:t>2</a:t>
+                            <a:t>2.00</a:t>
                           </a:r>
                         </a:p>
                         <a:p>
@@ -6706,7 +6711,7 @@
                               <a:ea typeface="+mn-ea"/>
                               <a:cs typeface="+mn-cs"/>
                             </a:rPr>
-                            <a:t>   0,3</a:t>
+                            <a:t>  0,3</a:t>
                           </a:r>
                         </a:p>
                         <a:p>
@@ -6718,7 +6723,7 @@
                               </a:solidFill>
                               <a:latin typeface="+mn-lt"/>
                             </a:rPr>
-                            <a:t>3</a:t>
+                            <a:t>3.00</a:t>
                           </a:r>
                         </a:p>
                         <a:p>
@@ -6788,7 +6793,7 @@
                               <a:latin typeface="Times New Roman" panose="02020603050405020304" pitchFamily="18" charset="0"/>
                               <a:cs typeface="Times New Roman" panose="02020603050405020304" pitchFamily="18" charset="0"/>
                             </a:rPr>
-                            <a:t>4</a:t>
+                            <a:t>4.00</a:t>
                           </a:r>
                         </a:p>
                         <a:p>
@@ -6859,7 +6864,7 @@
                               <a:latin typeface="Times New Roman" panose="02020603050405020304" pitchFamily="18" charset="0"/>
                               <a:cs typeface="Times New Roman" panose="02020603050405020304" pitchFamily="18" charset="0"/>
                             </a:rPr>
-                            <a:t>5</a:t>
+                            <a:t>5.00</a:t>
                           </a:r>
                         </a:p>
                         <a:p>
@@ -8402,7 +8407,7 @@
                               <a:ea typeface="+mn-ea"/>
                               <a:cs typeface="Times New Roman" panose="02020603050405020304" pitchFamily="18" charset="0"/>
                             </a:rPr>
-                            <a:t>5</a:t>
+                            <a:t>5.00</a:t>
                           </a:r>
                         </a:p>
                         <a:p>
@@ -9002,7 +9007,7 @@
                               <a:ea typeface="+mn-ea"/>
                               <a:cs typeface="Times New Roman" panose="02020603050405020304" pitchFamily="18" charset="0"/>
                             </a:rPr>
-                            <a:t>5</a:t>
+                            <a:t>5.00</a:t>
                           </a:r>
                         </a:p>
                         <a:p>
